--- a/Lectures/(6) Database Design - Structuring & Modeling Data.pptx
+++ b/Lectures/(6) Database Design - Structuring & Modeling Data.pptx
@@ -438,6 +438,30 @@
           </pc:sldLayoutMkLst>
         </pc:sldLayoutChg>
       </pc:sldMasterChg>
+    </pc:docChg>
+  </pc:docChgLst>
+  <pc:docChgLst>
+    <pc:chgData name="Jeremy Bergmann" userId="c2589a63-7d35-4bd4-b1d6-7fbcacc677e5" providerId="ADAL" clId="{593E54F3-1C9E-4B33-9287-C955B691FBF2}"/>
+    <pc:docChg chg="modSld">
+      <pc:chgData name="Jeremy Bergmann" userId="c2589a63-7d35-4bd4-b1d6-7fbcacc677e5" providerId="ADAL" clId="{593E54F3-1C9E-4B33-9287-C955B691FBF2}" dt="2021-11-01T21:29:37.963" v="3" actId="20577"/>
+      <pc:docMkLst>
+        <pc:docMk/>
+      </pc:docMkLst>
+      <pc:sldChg chg="modSp mod">
+        <pc:chgData name="Jeremy Bergmann" userId="c2589a63-7d35-4bd4-b1d6-7fbcacc677e5" providerId="ADAL" clId="{593E54F3-1C9E-4B33-9287-C955B691FBF2}" dt="2021-11-01T21:29:37.963" v="3" actId="20577"/>
+        <pc:sldMkLst>
+          <pc:docMk/>
+          <pc:sldMk cId="0" sldId="258"/>
+        </pc:sldMkLst>
+        <pc:spChg chg="mod">
+          <ac:chgData name="Jeremy Bergmann" userId="c2589a63-7d35-4bd4-b1d6-7fbcacc677e5" providerId="ADAL" clId="{593E54F3-1C9E-4B33-9287-C955B691FBF2}" dt="2021-11-01T21:29:37.963" v="3" actId="20577"/>
+          <ac:spMkLst>
+            <pc:docMk/>
+            <pc:sldMk cId="0" sldId="258"/>
+            <ac:spMk id="193" creationId="{00000000-0000-0000-0000-000000000000}"/>
+          </ac:spMkLst>
+        </pc:spChg>
+      </pc:sldChg>
     </pc:docChg>
   </pc:docChgLst>
   <pc:docChgLst>
@@ -21950,7 +21974,7 @@
                   <a:srgbClr val="000000"/>
                 </a:solidFill>
               </a:rPr>
-              <a:t>Cleaning Data (Class 5)</a:t>
+              <a:t>Cleaning Data (Class 5) </a:t>
             </a:r>
           </a:p>
           <a:p>
@@ -21973,42 +21997,10 @@
             <a:r>
               <a:rPr lang="en-US" sz="2400" dirty="0">
                 <a:solidFill>
-                  <a:srgbClr val="000000"/>
-                </a:solidFill>
-              </a:rPr>
-              <a:t>Create Stored Procedures to Automate Queries (Class 6)</a:t>
-            </a:r>
-            <a:endParaRPr lang="en-US" sz="2400" dirty="0">
-              <a:solidFill>
-                <a:srgbClr val="38761D"/>
-              </a:solidFill>
-            </a:endParaRPr>
-          </a:p>
-          <a:p>
-            <a:pPr marL="494098" lvl="0" indent="-494098" algn="l" rtl="0">
-              <a:lnSpc>
-                <a:spcPct val="115000"/>
-              </a:lnSpc>
-              <a:spcBef>
-                <a:spcPts val="1000"/>
-              </a:spcBef>
-              <a:spcAft>
-                <a:spcPts val="0"/>
-              </a:spcAft>
-              <a:buClr>
-                <a:srgbClr val="38761D"/>
-              </a:buClr>
-              <a:buSzPts val="2400"/>
-              <a:buFont typeface="Lustria"/>
-              <a:buAutoNum type="arabicPeriod"/>
-            </a:pPr>
-            <a:r>
-              <a:rPr lang="en-US" sz="2400" dirty="0">
-                <a:solidFill>
                   <a:srgbClr val="38761D"/>
                 </a:solidFill>
               </a:rPr>
-              <a:t>Normalize Data &amp; Create Data Model (Class 7)</a:t>
+              <a:t>Normalize Data &amp; Create Data Model (Class 6)</a:t>
             </a:r>
             <a:endParaRPr sz="2400" dirty="0">
               <a:solidFill>
@@ -22040,7 +22032,7 @@
                   <a:srgbClr val="000000"/>
                 </a:solidFill>
               </a:rPr>
-              <a:t>Analyze Data Quality &amp; Create Data Dictionary (Class 8) </a:t>
+              <a:t>Analyze Data Quality &amp; Create Data Dictionary (Class 7) </a:t>
             </a:r>
             <a:endParaRPr sz="2400" dirty="0">
               <a:solidFill>

--- a/Lectures/(6) Database Design - Structuring & Modeling Data.pptx
+++ b/Lectures/(6) Database Design - Structuring & Modeling Data.pptx
@@ -5,7 +5,7 @@
     <p:sldMasterId id="2147483672" r:id="rId1"/>
   </p:sldMasterIdLst>
   <p:notesMasterIdLst>
-    <p:notesMasterId r:id="rId20"/>
+    <p:notesMasterId r:id="rId19"/>
   </p:notesMasterIdLst>
   <p:sldIdLst>
     <p:sldId id="256" r:id="rId2"/>
@@ -15,41 +15,40 @@
     <p:sldId id="261" r:id="rId6"/>
     <p:sldId id="262" r:id="rId7"/>
     <p:sldId id="263" r:id="rId8"/>
-    <p:sldId id="273" r:id="rId9"/>
-    <p:sldId id="265" r:id="rId10"/>
-    <p:sldId id="266" r:id="rId11"/>
-    <p:sldId id="267" r:id="rId12"/>
-    <p:sldId id="268" r:id="rId13"/>
-    <p:sldId id="269" r:id="rId14"/>
-    <p:sldId id="274" r:id="rId15"/>
-    <p:sldId id="258" r:id="rId16"/>
-    <p:sldId id="270" r:id="rId17"/>
-    <p:sldId id="271" r:id="rId18"/>
-    <p:sldId id="298" r:id="rId19"/>
+    <p:sldId id="265" r:id="rId9"/>
+    <p:sldId id="266" r:id="rId10"/>
+    <p:sldId id="267" r:id="rId11"/>
+    <p:sldId id="268" r:id="rId12"/>
+    <p:sldId id="269" r:id="rId13"/>
+    <p:sldId id="274" r:id="rId14"/>
+    <p:sldId id="258" r:id="rId15"/>
+    <p:sldId id="270" r:id="rId16"/>
+    <p:sldId id="271" r:id="rId17"/>
+    <p:sldId id="298" r:id="rId18"/>
   </p:sldIdLst>
   <p:sldSz cx="12192000" cy="6858000"/>
   <p:notesSz cx="6858000" cy="9144000"/>
   <p:embeddedFontLst>
     <p:embeddedFont>
       <p:font typeface="Calibri" panose="020F0502020204030204" pitchFamily="34" charset="0"/>
-      <p:regular r:id="rId21"/>
-      <p:bold r:id="rId22"/>
-      <p:italic r:id="rId23"/>
-      <p:boldItalic r:id="rId24"/>
+      <p:regular r:id="rId20"/>
+      <p:bold r:id="rId21"/>
+      <p:italic r:id="rId22"/>
+      <p:boldItalic r:id="rId23"/>
     </p:embeddedFont>
     <p:embeddedFont>
       <p:font typeface="Lato" panose="020F0502020204030203" pitchFamily="34" charset="0"/>
-      <p:regular r:id="rId25"/>
-      <p:bold r:id="rId26"/>
-      <p:italic r:id="rId27"/>
-      <p:boldItalic r:id="rId28"/>
+      <p:regular r:id="rId24"/>
+      <p:bold r:id="rId25"/>
+      <p:italic r:id="rId26"/>
+      <p:boldItalic r:id="rId27"/>
     </p:embeddedFont>
     <p:embeddedFont>
       <p:font typeface="Raleway" pitchFamily="2" charset="0"/>
-      <p:regular r:id="rId29"/>
-      <p:bold r:id="rId30"/>
-      <p:italic r:id="rId31"/>
-      <p:boldItalic r:id="rId32"/>
+      <p:regular r:id="rId28"/>
+      <p:bold r:id="rId29"/>
+      <p:italic r:id="rId30"/>
+      <p:boldItalic r:id="rId31"/>
     </p:embeddedFont>
   </p:embeddedFontLst>
   <p:defaultTextStyle>
@@ -292,7 +291,7 @@
 <file path=ppt/revisionInfo.xml><?xml version="1.0" encoding="utf-8"?>
 <p1510:revInfo xmlns:a="http://schemas.openxmlformats.org/drawingml/2006/main" xmlns:r="http://schemas.openxmlformats.org/officeDocument/2006/relationships" xmlns:p1510="http://schemas.microsoft.com/office/powerpoint/2015/10/main">
   <p1510:revLst>
-    <p1510:client id="{593E54F3-1C9E-4B33-9287-C955B691FBF2}" v="2" dt="2021-10-24T17:50:55.967"/>
+    <p1510:client id="{593E54F3-1C9E-4B33-9287-C955B691FBF2}" v="5" dt="2021-11-03T19:23:46.720"/>
   </p1510:revLst>
 </p1510:revInfo>
 </file>
@@ -442,11 +441,26 @@
   </pc:docChgLst>
   <pc:docChgLst>
     <pc:chgData name="Jeremy Bergmann" userId="c2589a63-7d35-4bd4-b1d6-7fbcacc677e5" providerId="ADAL" clId="{593E54F3-1C9E-4B33-9287-C955B691FBF2}"/>
-    <pc:docChg chg="modSld">
-      <pc:chgData name="Jeremy Bergmann" userId="c2589a63-7d35-4bd4-b1d6-7fbcacc677e5" providerId="ADAL" clId="{593E54F3-1C9E-4B33-9287-C955B691FBF2}" dt="2021-11-01T21:29:37.963" v="3" actId="20577"/>
+    <pc:docChg chg="undo custSel delSld modSld">
+      <pc:chgData name="Jeremy Bergmann" userId="c2589a63-7d35-4bd4-b1d6-7fbcacc677e5" providerId="ADAL" clId="{593E54F3-1C9E-4B33-9287-C955B691FBF2}" dt="2021-11-03T19:23:10.567" v="76" actId="20577"/>
       <pc:docMkLst>
         <pc:docMk/>
       </pc:docMkLst>
+      <pc:sldChg chg="modSp mod">
+        <pc:chgData name="Jeremy Bergmann" userId="c2589a63-7d35-4bd4-b1d6-7fbcacc677e5" providerId="ADAL" clId="{593E54F3-1C9E-4B33-9287-C955B691FBF2}" dt="2021-11-03T17:45:53.202" v="4"/>
+        <pc:sldMkLst>
+          <pc:docMk/>
+          <pc:sldMk cId="0" sldId="257"/>
+        </pc:sldMkLst>
+        <pc:spChg chg="mod">
+          <ac:chgData name="Jeremy Bergmann" userId="c2589a63-7d35-4bd4-b1d6-7fbcacc677e5" providerId="ADAL" clId="{593E54F3-1C9E-4B33-9287-C955B691FBF2}" dt="2021-11-03T17:45:53.202" v="4"/>
+          <ac:spMkLst>
+            <pc:docMk/>
+            <pc:sldMk cId="0" sldId="257"/>
+            <ac:spMk id="187" creationId="{00000000-0000-0000-0000-000000000000}"/>
+          </ac:spMkLst>
+        </pc:spChg>
+      </pc:sldChg>
       <pc:sldChg chg="modSp mod">
         <pc:chgData name="Jeremy Bergmann" userId="c2589a63-7d35-4bd4-b1d6-7fbcacc677e5" providerId="ADAL" clId="{593E54F3-1C9E-4B33-9287-C955B691FBF2}" dt="2021-11-01T21:29:37.963" v="3" actId="20577"/>
         <pc:sldMkLst>
@@ -461,6 +475,144 @@
             <ac:spMk id="193" creationId="{00000000-0000-0000-0000-000000000000}"/>
           </ac:spMkLst>
         </pc:spChg>
+      </pc:sldChg>
+      <pc:sldChg chg="modSp mod">
+        <pc:chgData name="Jeremy Bergmann" userId="c2589a63-7d35-4bd4-b1d6-7fbcacc677e5" providerId="ADAL" clId="{593E54F3-1C9E-4B33-9287-C955B691FBF2}" dt="2021-11-03T17:53:30.731" v="63" actId="5793"/>
+        <pc:sldMkLst>
+          <pc:docMk/>
+          <pc:sldMk cId="0" sldId="260"/>
+        </pc:sldMkLst>
+        <pc:spChg chg="mod">
+          <ac:chgData name="Jeremy Bergmann" userId="c2589a63-7d35-4bd4-b1d6-7fbcacc677e5" providerId="ADAL" clId="{593E54F3-1C9E-4B33-9287-C955B691FBF2}" dt="2021-11-03T17:53:30.731" v="63" actId="5793"/>
+          <ac:spMkLst>
+            <pc:docMk/>
+            <pc:sldMk cId="0" sldId="260"/>
+            <ac:spMk id="205" creationId="{00000000-0000-0000-0000-000000000000}"/>
+          </ac:spMkLst>
+        </pc:spChg>
+        <pc:spChg chg="mod">
+          <ac:chgData name="Jeremy Bergmann" userId="c2589a63-7d35-4bd4-b1d6-7fbcacc677e5" providerId="ADAL" clId="{593E54F3-1C9E-4B33-9287-C955B691FBF2}" dt="2021-11-03T17:47:18.633" v="6" actId="14100"/>
+          <ac:spMkLst>
+            <pc:docMk/>
+            <pc:sldMk cId="0" sldId="260"/>
+            <ac:spMk id="206" creationId="{00000000-0000-0000-0000-000000000000}"/>
+          </ac:spMkLst>
+        </pc:spChg>
+      </pc:sldChg>
+      <pc:sldChg chg="addSp delSp modSp mod">
+        <pc:chgData name="Jeremy Bergmann" userId="c2589a63-7d35-4bd4-b1d6-7fbcacc677e5" providerId="ADAL" clId="{593E54F3-1C9E-4B33-9287-C955B691FBF2}" dt="2021-11-03T17:52:15.606" v="51" actId="21"/>
+        <pc:sldMkLst>
+          <pc:docMk/>
+          <pc:sldMk cId="0" sldId="261"/>
+        </pc:sldMkLst>
+        <pc:spChg chg="mod">
+          <ac:chgData name="Jeremy Bergmann" userId="c2589a63-7d35-4bd4-b1d6-7fbcacc677e5" providerId="ADAL" clId="{593E54F3-1C9E-4B33-9287-C955B691FBF2}" dt="2021-11-03T17:51:07.267" v="39" actId="20577"/>
+          <ac:spMkLst>
+            <pc:docMk/>
+            <pc:sldMk cId="0" sldId="261"/>
+            <ac:spMk id="213" creationId="{00000000-0000-0000-0000-000000000000}"/>
+          </ac:spMkLst>
+        </pc:spChg>
+        <pc:spChg chg="mod">
+          <ac:chgData name="Jeremy Bergmann" userId="c2589a63-7d35-4bd4-b1d6-7fbcacc677e5" providerId="ADAL" clId="{593E54F3-1C9E-4B33-9287-C955B691FBF2}" dt="2021-11-03T17:50:53.073" v="18" actId="14100"/>
+          <ac:spMkLst>
+            <pc:docMk/>
+            <pc:sldMk cId="0" sldId="261"/>
+            <ac:spMk id="214" creationId="{00000000-0000-0000-0000-000000000000}"/>
+          </ac:spMkLst>
+        </pc:spChg>
+        <pc:picChg chg="mod">
+          <ac:chgData name="Jeremy Bergmann" userId="c2589a63-7d35-4bd4-b1d6-7fbcacc677e5" providerId="ADAL" clId="{593E54F3-1C9E-4B33-9287-C955B691FBF2}" dt="2021-11-03T17:52:15.176" v="50" actId="14100"/>
+          <ac:picMkLst>
+            <pc:docMk/>
+            <pc:sldMk cId="0" sldId="261"/>
+            <ac:picMk id="215" creationId="{00000000-0000-0000-0000-000000000000}"/>
+          </ac:picMkLst>
+        </pc:picChg>
+        <pc:picChg chg="add del">
+          <ac:chgData name="Jeremy Bergmann" userId="c2589a63-7d35-4bd4-b1d6-7fbcacc677e5" providerId="ADAL" clId="{593E54F3-1C9E-4B33-9287-C955B691FBF2}" dt="2021-11-03T17:52:15.606" v="51" actId="21"/>
+          <ac:picMkLst>
+            <pc:docMk/>
+            <pc:sldMk cId="0" sldId="261"/>
+            <ac:picMk id="216" creationId="{00000000-0000-0000-0000-000000000000}"/>
+          </ac:picMkLst>
+        </pc:picChg>
+      </pc:sldChg>
+      <pc:sldChg chg="addSp delSp modSp mod">
+        <pc:chgData name="Jeremy Bergmann" userId="c2589a63-7d35-4bd4-b1d6-7fbcacc677e5" providerId="ADAL" clId="{593E54F3-1C9E-4B33-9287-C955B691FBF2}" dt="2021-11-03T17:52:52.444" v="57" actId="1076"/>
+        <pc:sldMkLst>
+          <pc:docMk/>
+          <pc:sldMk cId="0" sldId="263"/>
+        </pc:sldMkLst>
+        <pc:picChg chg="add mod">
+          <ac:chgData name="Jeremy Bergmann" userId="c2589a63-7d35-4bd4-b1d6-7fbcacc677e5" providerId="ADAL" clId="{593E54F3-1C9E-4B33-9287-C955B691FBF2}" dt="2021-11-03T17:52:52.444" v="57" actId="1076"/>
+          <ac:picMkLst>
+            <pc:docMk/>
+            <pc:sldMk cId="0" sldId="263"/>
+            <ac:picMk id="3" creationId="{59DDAEBF-4E63-4EE3-8A9E-3B5D7AA18308}"/>
+          </ac:picMkLst>
+        </pc:picChg>
+        <pc:picChg chg="add del mod">
+          <ac:chgData name="Jeremy Bergmann" userId="c2589a63-7d35-4bd4-b1d6-7fbcacc677e5" providerId="ADAL" clId="{593E54F3-1C9E-4B33-9287-C955B691FBF2}" dt="2021-11-03T17:52:11.870" v="46"/>
+          <ac:picMkLst>
+            <pc:docMk/>
+            <pc:sldMk cId="0" sldId="263"/>
+            <ac:picMk id="4" creationId="{42C69F99-4D2A-4EB7-A5B3-35B8816DEA20}"/>
+          </ac:picMkLst>
+        </pc:picChg>
+        <pc:picChg chg="mod">
+          <ac:chgData name="Jeremy Bergmann" userId="c2589a63-7d35-4bd4-b1d6-7fbcacc677e5" providerId="ADAL" clId="{593E54F3-1C9E-4B33-9287-C955B691FBF2}" dt="2021-11-03T17:48:43.116" v="11" actId="1076"/>
+          <ac:picMkLst>
+            <pc:docMk/>
+            <pc:sldMk cId="0" sldId="263"/>
+            <ac:picMk id="230" creationId="{00000000-0000-0000-0000-000000000000}"/>
+          </ac:picMkLst>
+        </pc:picChg>
+      </pc:sldChg>
+      <pc:sldChg chg="modSp mod modNotesTx">
+        <pc:chgData name="Jeremy Bergmann" userId="c2589a63-7d35-4bd4-b1d6-7fbcacc677e5" providerId="ADAL" clId="{593E54F3-1C9E-4B33-9287-C955B691FBF2}" dt="2021-11-03T19:12:54.009" v="64" actId="20577"/>
+        <pc:sldMkLst>
+          <pc:docMk/>
+          <pc:sldMk cId="0" sldId="269"/>
+        </pc:sldMkLst>
+        <pc:spChg chg="mod">
+          <ac:chgData name="Jeremy Bergmann" userId="c2589a63-7d35-4bd4-b1d6-7fbcacc677e5" providerId="ADAL" clId="{593E54F3-1C9E-4B33-9287-C955B691FBF2}" dt="2021-11-03T17:49:35.707" v="14" actId="20577"/>
+          <ac:spMkLst>
+            <pc:docMk/>
+            <pc:sldMk cId="0" sldId="269"/>
+            <ac:spMk id="278" creationId="{00000000-0000-0000-0000-000000000000}"/>
+          </ac:spMkLst>
+        </pc:spChg>
+        <pc:spChg chg="mod">
+          <ac:chgData name="Jeremy Bergmann" userId="c2589a63-7d35-4bd4-b1d6-7fbcacc677e5" providerId="ADAL" clId="{593E54F3-1C9E-4B33-9287-C955B691FBF2}" dt="2021-11-03T19:12:54.009" v="64" actId="20577"/>
+          <ac:spMkLst>
+            <pc:docMk/>
+            <pc:sldMk cId="0" sldId="269"/>
+            <ac:spMk id="280" creationId="{00000000-0000-0000-0000-000000000000}"/>
+          </ac:spMkLst>
+        </pc:spChg>
+      </pc:sldChg>
+      <pc:sldChg chg="modSp mod">
+        <pc:chgData name="Jeremy Bergmann" userId="c2589a63-7d35-4bd4-b1d6-7fbcacc677e5" providerId="ADAL" clId="{593E54F3-1C9E-4B33-9287-C955B691FBF2}" dt="2021-11-03T19:23:10.567" v="76" actId="20577"/>
+        <pc:sldMkLst>
+          <pc:docMk/>
+          <pc:sldMk cId="0" sldId="270"/>
+        </pc:sldMkLst>
+        <pc:spChg chg="mod">
+          <ac:chgData name="Jeremy Bergmann" userId="c2589a63-7d35-4bd4-b1d6-7fbcacc677e5" providerId="ADAL" clId="{593E54F3-1C9E-4B33-9287-C955B691FBF2}" dt="2021-11-03T19:23:10.567" v="76" actId="20577"/>
+          <ac:spMkLst>
+            <pc:docMk/>
+            <pc:sldMk cId="0" sldId="270"/>
+            <ac:spMk id="292" creationId="{00000000-0000-0000-0000-000000000000}"/>
+          </ac:spMkLst>
+        </pc:spChg>
+      </pc:sldChg>
+      <pc:sldChg chg="del">
+        <pc:chgData name="Jeremy Bergmann" userId="c2589a63-7d35-4bd4-b1d6-7fbcacc677e5" providerId="ADAL" clId="{593E54F3-1C9E-4B33-9287-C955B691FBF2}" dt="2021-11-03T17:47:51.231" v="10" actId="47"/>
+        <pc:sldMkLst>
+          <pc:docMk/>
+          <pc:sldMk cId="0" sldId="273"/>
+        </pc:sldMkLst>
       </pc:sldChg>
     </pc:docChg>
   </pc:docChgLst>
@@ -1807,110 +1959,6 @@
   <p:cSld>
     <p:spTree>
       <p:nvGrpSpPr>
-        <p:cNvPr id="1" name="Shape 246"/>
-        <p:cNvGrpSpPr/>
-        <p:nvPr/>
-      </p:nvGrpSpPr>
-      <p:grpSpPr>
-        <a:xfrm>
-          <a:off x="0" y="0"/>
-          <a:ext cx="0" cy="0"/>
-          <a:chOff x="0" y="0"/>
-          <a:chExt cx="0" cy="0"/>
-        </a:xfrm>
-      </p:grpSpPr>
-      <p:sp>
-        <p:nvSpPr>
-          <p:cNvPr id="247" name="Google Shape;247;g51dcfa8b85_0_35:notes"/>
-          <p:cNvSpPr txBox="1">
-            <a:spLocks noGrp="1"/>
-          </p:cNvSpPr>
-          <p:nvPr>
-            <p:ph type="body" idx="1"/>
-          </p:nvPr>
-        </p:nvSpPr>
-        <p:spPr>
-          <a:xfrm>
-            <a:off x="685800" y="4400550"/>
-            <a:ext cx="5486400" cy="3600600"/>
-          </a:xfrm>
-          <a:prstGeom prst="rect">
-            <a:avLst/>
-          </a:prstGeom>
-        </p:spPr>
-        <p:txBody>
-          <a:bodyPr spcFirstLastPara="1" wrap="square" lIns="91425" tIns="45700" rIns="91425" bIns="45700" anchor="t" anchorCtr="0">
-            <a:noAutofit/>
-          </a:bodyPr>
-          <a:lstStyle/>
-          <a:p>
-            <a:pPr marL="0" lvl="0" indent="0" algn="l" rtl="0">
-              <a:spcBef>
-                <a:spcPts val="0"/>
-              </a:spcBef>
-              <a:spcAft>
-                <a:spcPts val="0"/>
-              </a:spcAft>
-              <a:buNone/>
-            </a:pPr>
-            <a:endParaRPr/>
-          </a:p>
-        </p:txBody>
-      </p:sp>
-      <p:sp>
-        <p:nvSpPr>
-          <p:cNvPr id="248" name="Google Shape;248;g51dcfa8b85_0_35:notes"/>
-          <p:cNvSpPr>
-            <a:spLocks noGrp="1" noRot="1" noChangeAspect="1"/>
-          </p:cNvSpPr>
-          <p:nvPr>
-            <p:ph type="sldImg" idx="2"/>
-          </p:nvPr>
-        </p:nvSpPr>
-        <p:spPr>
-          <a:xfrm>
-            <a:off x="685800" y="1143000"/>
-            <a:ext cx="5486400" cy="3086100"/>
-          </a:xfrm>
-          <a:custGeom>
-            <a:avLst/>
-            <a:gdLst/>
-            <a:ahLst/>
-            <a:cxnLst/>
-            <a:rect l="l" t="t" r="r" b="b"/>
-            <a:pathLst>
-              <a:path w="120000" h="120000" extrusionOk="0">
-                <a:moveTo>
-                  <a:pt x="0" y="0"/>
-                </a:moveTo>
-                <a:lnTo>
-                  <a:pt x="120000" y="0"/>
-                </a:lnTo>
-                <a:lnTo>
-                  <a:pt x="120000" y="120000"/>
-                </a:lnTo>
-                <a:lnTo>
-                  <a:pt x="0" y="120000"/>
-                </a:lnTo>
-                <a:close/>
-              </a:path>
-            </a:pathLst>
-          </a:custGeom>
-        </p:spPr>
-      </p:sp>
-    </p:spTree>
-  </p:cSld>
-  <p:clrMapOvr>
-    <a:masterClrMapping/>
-  </p:clrMapOvr>
-</p:notes>
-</file>
-
-<file path=ppt/notesSlides/notesSlide11.xml><?xml version="1.0" encoding="utf-8"?>
-<p:notes xmlns:a="http://schemas.openxmlformats.org/drawingml/2006/main" xmlns:r="http://schemas.openxmlformats.org/officeDocument/2006/relationships" xmlns:p="http://schemas.openxmlformats.org/presentationml/2006/main" showMasterSp="0" showMasterPhAnim="0">
-  <p:cSld>
-    <p:spTree>
-      <p:nvGrpSpPr>
         <p:cNvPr id="1" name="Shape 253"/>
         <p:cNvGrpSpPr/>
         <p:nvPr/>
@@ -2010,7 +2058,7 @@
 </p:notes>
 </file>
 
-<file path=ppt/notesSlides/notesSlide12.xml><?xml version="1.0" encoding="utf-8"?>
+<file path=ppt/notesSlides/notesSlide11.xml><?xml version="1.0" encoding="utf-8"?>
 <p:notes xmlns:a="http://schemas.openxmlformats.org/drawingml/2006/main" xmlns:r="http://schemas.openxmlformats.org/officeDocument/2006/relationships" xmlns:p="http://schemas.openxmlformats.org/presentationml/2006/main" showMasterSp="0" showMasterPhAnim="0">
   <p:cSld>
     <p:spTree>
@@ -2114,7 +2162,7 @@
 </p:notes>
 </file>
 
-<file path=ppt/notesSlides/notesSlide13.xml><?xml version="1.0" encoding="utf-8"?>
+<file path=ppt/notesSlides/notesSlide12.xml><?xml version="1.0" encoding="utf-8"?>
 <p:notes xmlns:a="http://schemas.openxmlformats.org/drawingml/2006/main" xmlns:r="http://schemas.openxmlformats.org/officeDocument/2006/relationships" xmlns:p="http://schemas.openxmlformats.org/presentationml/2006/main" showMasterSp="0" showMasterPhAnim="0">
   <p:cSld>
     <p:spTree>
@@ -2221,36 +2269,10 @@
                 <a:cs typeface="Calibri"/>
                 <a:sym typeface="Calibri"/>
               </a:rPr>
-              <a:t> is an analytical processing system. </a:t>
-            </a:r>
-            <a:r>
-              <a:rPr lang="en-US" sz="1200" b="0" i="0" u="none" strike="noStrike" cap="none">
-                <a:solidFill>
-                  <a:schemeClr val="dk1"/>
-                </a:solidFill>
-                <a:effectLst/>
-                <a:latin typeface="Calibri"/>
-                <a:ea typeface="Calibri"/>
-                <a:cs typeface="Calibri"/>
-                <a:sym typeface="Calibri"/>
-              </a:rPr>
-              <a:t>... </a:t>
+              <a:t> is an analytical processing system. ... </a:t>
             </a:r>
           </a:p>
           <a:p>
-            <a:r>
-              <a:rPr lang="en-US" sz="1200" b="0" i="0" u="none" strike="noStrike" cap="none">
-                <a:solidFill>
-                  <a:schemeClr val="dk1"/>
-                </a:solidFill>
-                <a:effectLst/>
-                <a:latin typeface="Calibri"/>
-                <a:ea typeface="Calibri"/>
-                <a:cs typeface="Calibri"/>
-                <a:sym typeface="Calibri"/>
-              </a:rPr>
-              <a:t>The </a:t>
-            </a:r>
             <a:r>
               <a:rPr lang="en-US" sz="1200" b="0" i="0" u="none" strike="noStrike" cap="none" dirty="0">
                 <a:solidFill>
@@ -2262,7 +2284,7 @@
                 <a:cs typeface="Calibri"/>
                 <a:sym typeface="Calibri"/>
               </a:rPr>
-              <a:t>basic </a:t>
+              <a:t>The basic </a:t>
             </a:r>
             <a:r>
               <a:rPr lang="en-US" sz="1200" b="1" i="0" u="none" strike="noStrike" cap="none" dirty="0">
@@ -2368,6 +2390,60 @@
               </a:rPr>
               <a:t> is an online database query answering system.</a:t>
             </a:r>
+          </a:p>
+          <a:p>
+            <a:endParaRPr lang="en-US" sz="1200" b="0" i="0" u="none" strike="noStrike" cap="none" dirty="0">
+              <a:solidFill>
+                <a:schemeClr val="dk1"/>
+              </a:solidFill>
+              <a:effectLst/>
+              <a:latin typeface="Calibri"/>
+              <a:ea typeface="Calibri"/>
+              <a:cs typeface="Calibri"/>
+              <a:sym typeface="Calibri"/>
+            </a:endParaRPr>
+          </a:p>
+          <a:p>
+            <a:pPr marL="457200" marR="0" lvl="0" indent="-228600" algn="l" defTabSz="914400" rtl="0" eaLnBrk="1" fontAlgn="auto" latinLnBrk="0" hangingPunct="1">
+              <a:lnSpc>
+                <a:spcPct val="100000"/>
+              </a:lnSpc>
+              <a:spcBef>
+                <a:spcPts val="0"/>
+              </a:spcBef>
+              <a:spcAft>
+                <a:spcPts val="0"/>
+              </a:spcAft>
+              <a:buClr>
+                <a:srgbClr val="000000"/>
+              </a:buClr>
+              <a:buSzPts val="1400"/>
+              <a:buFont typeface="Arial"/>
+              <a:buNone/>
+              <a:tabLst/>
+              <a:defRPr/>
+            </a:pPr>
+            <a:r>
+              <a:rPr lang="en-US" sz="1200" b="1" dirty="0">
+                <a:latin typeface="Lato"/>
+                <a:ea typeface="Lato"/>
+                <a:cs typeface="Lato"/>
+                <a:sym typeface="Lato"/>
+              </a:rPr>
+              <a:t>Data modeling is a process for creating a database’s data model that focuses on the data. (vs. Data Science Modeling)</a:t>
+            </a:r>
+          </a:p>
+          <a:p>
+            <a:endParaRPr lang="en-US" sz="1200" b="0" i="0" u="none" strike="noStrike" cap="none" dirty="0">
+              <a:solidFill>
+                <a:schemeClr val="dk1"/>
+              </a:solidFill>
+              <a:effectLst/>
+              <a:latin typeface="Calibri"/>
+              <a:ea typeface="Calibri"/>
+              <a:cs typeface="Calibri"/>
+              <a:sym typeface="Calibri"/>
+            </a:endParaRPr>
           </a:p>
         </p:txBody>
       </p:sp>
@@ -2420,7 +2496,7 @@
 </p:notes>
 </file>
 
-<file path=ppt/notesSlides/notesSlide14.xml><?xml version="1.0" encoding="utf-8"?>
+<file path=ppt/notesSlides/notesSlide13.xml><?xml version="1.0" encoding="utf-8"?>
 <p:notes xmlns:a="http://schemas.openxmlformats.org/drawingml/2006/main" xmlns:r="http://schemas.openxmlformats.org/officeDocument/2006/relationships" xmlns:p="http://schemas.openxmlformats.org/presentationml/2006/main" showMasterSp="0" showMasterPhAnim="0">
   <p:cSld>
     <p:spTree>
@@ -2669,7 +2745,7 @@
 </p:notes>
 </file>
 
-<file path=ppt/notesSlides/notesSlide15.xml><?xml version="1.0" encoding="utf-8"?>
+<file path=ppt/notesSlides/notesSlide14.xml><?xml version="1.0" encoding="utf-8"?>
 <p:notes xmlns:a="http://schemas.openxmlformats.org/drawingml/2006/main" xmlns:r="http://schemas.openxmlformats.org/officeDocument/2006/relationships" xmlns:p="http://schemas.openxmlformats.org/presentationml/2006/main" showMasterSp="0" showMasterPhAnim="0">
   <p:cSld>
     <p:spTree>
@@ -2791,7 +2867,7 @@
 </p:notes>
 </file>
 
-<file path=ppt/notesSlides/notesSlide16.xml><?xml version="1.0" encoding="utf-8"?>
+<file path=ppt/notesSlides/notesSlide15.xml><?xml version="1.0" encoding="utf-8"?>
 <p:notes xmlns:a="http://schemas.openxmlformats.org/drawingml/2006/main" xmlns:r="http://schemas.openxmlformats.org/officeDocument/2006/relationships" xmlns:p="http://schemas.openxmlformats.org/presentationml/2006/main" showMasterSp="0" showMasterPhAnim="0">
   <p:cSld>
     <p:spTree>
@@ -2927,7 +3003,7 @@
             </a:pPr>
             <a:fld id="{00000000-1234-1234-1234-123412341234}" type="slidenum">
               <a:rPr lang="en-US"/>
-              <a:t>16</a:t>
+              <a:t>15</a:t>
             </a:fld>
             <a:endParaRPr/>
           </a:p>
@@ -2941,7 +3017,7 @@
 </p:notes>
 </file>
 
-<file path=ppt/notesSlides/notesSlide17.xml><?xml version="1.0" encoding="utf-8"?>
+<file path=ppt/notesSlides/notesSlide16.xml><?xml version="1.0" encoding="utf-8"?>
 <p:notes xmlns:a="http://schemas.openxmlformats.org/drawingml/2006/main" xmlns:r="http://schemas.openxmlformats.org/officeDocument/2006/relationships" xmlns:p="http://schemas.openxmlformats.org/presentationml/2006/main" showMasterSp="0" showMasterPhAnim="0">
   <p:cSld>
     <p:spTree>
@@ -3057,7 +3133,7 @@
 </p:notes>
 </file>
 
-<file path=ppt/notesSlides/notesSlide18.xml><?xml version="1.0" encoding="utf-8"?>
+<file path=ppt/notesSlides/notesSlide17.xml><?xml version="1.0" encoding="utf-8"?>
 <p:notes xmlns:a="http://schemas.openxmlformats.org/drawingml/2006/main" xmlns:r="http://schemas.openxmlformats.org/officeDocument/2006/relationships" xmlns:p="http://schemas.openxmlformats.org/presentationml/2006/main" showMasterSp="0" showMasterPhAnim="0">
   <p:cSld>
     <p:spTree>
@@ -4150,7 +4226,7 @@
   <p:cSld>
     <p:spTree>
       <p:nvGrpSpPr>
-        <p:cNvPr id="1" name="Shape 231"/>
+        <p:cNvPr id="1" name="Shape 239"/>
         <p:cNvGrpSpPr/>
         <p:nvPr/>
       </p:nvGrpSpPr>
@@ -4164,7 +4240,7 @@
       </p:grpSpPr>
       <p:sp>
         <p:nvSpPr>
-          <p:cNvPr id="232" name="Google Shape;232;g527c8617b6_0_0:notes"/>
+          <p:cNvPr id="240" name="Google Shape;240;g5038ce4af1_0_375:notes"/>
           <p:cNvSpPr txBox="1">
             <a:spLocks noGrp="1"/>
           </p:cNvSpPr>
@@ -4187,7 +4263,7 @@
           </a:bodyPr>
           <a:lstStyle/>
           <a:p>
-            <a:pPr marL="0" lvl="0" indent="0" algn="l" rtl="0">
+            <a:pPr marL="457200" lvl="0" indent="-304800" algn="l" rtl="0">
               <a:lnSpc>
                 <a:spcPct val="115000"/>
               </a:lnSpc>
@@ -4197,23 +4273,28 @@
               <a:spcAft>
                 <a:spcPts val="0"/>
               </a:spcAft>
-              <a:buNone/>
+              <a:buSzPts val="1200"/>
+              <a:buAutoNum type="arabicPeriod"/>
             </a:pPr>
-            <a:endParaRPr sz="1400">
-              <a:solidFill>
-                <a:srgbClr val="000000"/>
-              </a:solidFill>
-              <a:latin typeface="Arial"/>
-              <a:ea typeface="Arial"/>
-              <a:cs typeface="Arial"/>
-              <a:sym typeface="Arial"/>
-            </a:endParaRPr>
+            <a:r>
+              <a:rPr lang="en-US">
+                <a:solidFill>
+                  <a:srgbClr val="000000"/>
+                </a:solidFill>
+                <a:latin typeface="Arial"/>
+                <a:ea typeface="Arial"/>
+                <a:cs typeface="Arial"/>
+                <a:sym typeface="Arial"/>
+              </a:rPr>
+              <a:t>For example, a company may house all their data in a SQL Server database, but needs to gather their source data from Excel, CSV, Access, and JSON files. With ETL, you can take this disparate information, pull it into a staging area where you transform it, then write all the data into the target data store. </a:t>
+            </a:r>
+            <a:endParaRPr/>
           </a:p>
         </p:txBody>
       </p:sp>
       <p:sp>
         <p:nvSpPr>
-          <p:cNvPr id="233" name="Google Shape;233;g527c8617b6_0_0:notes"/>
+          <p:cNvPr id="241" name="Google Shape;241;g5038ce4af1_0_375:notes"/>
           <p:cNvSpPr>
             <a:spLocks noGrp="1" noRot="1" noChangeAspect="1"/>
           </p:cNvSpPr>
@@ -4265,7 +4346,7 @@
   <p:cSld>
     <p:spTree>
       <p:nvGrpSpPr>
-        <p:cNvPr id="1" name="Shape 239"/>
+        <p:cNvPr id="1" name="Shape 246"/>
         <p:cNvGrpSpPr/>
         <p:nvPr/>
       </p:nvGrpSpPr>
@@ -4279,7 +4360,7 @@
       </p:grpSpPr>
       <p:sp>
         <p:nvSpPr>
-          <p:cNvPr id="240" name="Google Shape;240;g5038ce4af1_0_375:notes"/>
+          <p:cNvPr id="247" name="Google Shape;247;g51dcfa8b85_0_35:notes"/>
           <p:cNvSpPr txBox="1">
             <a:spLocks noGrp="1"/>
           </p:cNvSpPr>
@@ -4302,38 +4383,22 @@
           </a:bodyPr>
           <a:lstStyle/>
           <a:p>
-            <a:pPr marL="457200" lvl="0" indent="-304800" algn="l" rtl="0">
-              <a:lnSpc>
-                <a:spcPct val="115000"/>
-              </a:lnSpc>
-              <a:spcBef>
-                <a:spcPts val="0"/>
-              </a:spcBef>
-              <a:spcAft>
-                <a:spcPts val="0"/>
-              </a:spcAft>
-              <a:buSzPts val="1200"/>
-              <a:buAutoNum type="arabicPeriod"/>
+            <a:pPr marL="0" lvl="0" indent="0" algn="l" rtl="0">
+              <a:spcBef>
+                <a:spcPts val="0"/>
+              </a:spcBef>
+              <a:spcAft>
+                <a:spcPts val="0"/>
+              </a:spcAft>
+              <a:buNone/>
             </a:pPr>
-            <a:r>
-              <a:rPr lang="en-US">
-                <a:solidFill>
-                  <a:srgbClr val="000000"/>
-                </a:solidFill>
-                <a:latin typeface="Arial"/>
-                <a:ea typeface="Arial"/>
-                <a:cs typeface="Arial"/>
-                <a:sym typeface="Arial"/>
-              </a:rPr>
-              <a:t>For example, a company may house all their data in a SQL Server database, but needs to gather their source data from Excel, CSV, Access, and JSON files. With ETL, you can take this disparate information, pull it into a staging area where you transform it, then write all the data into the target data store. </a:t>
-            </a:r>
             <a:endParaRPr/>
           </a:p>
         </p:txBody>
       </p:sp>
       <p:sp>
         <p:nvSpPr>
-          <p:cNvPr id="241" name="Google Shape;241;g5038ce4af1_0_375:notes"/>
+          <p:cNvPr id="248" name="Google Shape;248;g51dcfa8b85_0_35:notes"/>
           <p:cNvSpPr>
             <a:spLocks noGrp="1" noRot="1" noChangeAspect="1"/>
           </p:cNvSpPr>
@@ -11857,411 +11922,6 @@
   <p:cSld>
     <p:spTree>
       <p:nvGrpSpPr>
-        <p:cNvPr id="1" name="Shape 249"/>
-        <p:cNvGrpSpPr/>
-        <p:nvPr/>
-      </p:nvGrpSpPr>
-      <p:grpSpPr>
-        <a:xfrm>
-          <a:off x="0" y="0"/>
-          <a:ext cx="0" cy="0"/>
-          <a:chOff x="0" y="0"/>
-          <a:chExt cx="0" cy="0"/>
-        </a:xfrm>
-      </p:grpSpPr>
-      <p:sp>
-        <p:nvSpPr>
-          <p:cNvPr id="250" name="Google Shape;250;p37"/>
-          <p:cNvSpPr txBox="1">
-            <a:spLocks noGrp="1"/>
-          </p:cNvSpPr>
-          <p:nvPr>
-            <p:ph type="ctrTitle"/>
-          </p:nvPr>
-        </p:nvSpPr>
-        <p:spPr>
-          <a:xfrm>
-            <a:off x="913795" y="609600"/>
-            <a:ext cx="10353900" cy="970500"/>
-          </a:xfrm>
-          <a:prstGeom prst="rect">
-            <a:avLst/>
-          </a:prstGeom>
-          <a:noFill/>
-          <a:ln>
-            <a:noFill/>
-          </a:ln>
-          <a:effectLst>
-            <a:outerShdw blurRad="25400">
-              <a:srgbClr val="000000">
-                <a:alpha val="45880"/>
-              </a:srgbClr>
-            </a:outerShdw>
-          </a:effectLst>
-        </p:spPr>
-        <p:txBody>
-          <a:bodyPr spcFirstLastPara="1" wrap="square" lIns="91425" tIns="45700" rIns="91425" bIns="45700" anchor="ctr" anchorCtr="0">
-            <a:noAutofit/>
-          </a:bodyPr>
-          <a:lstStyle/>
-          <a:p>
-            <a:pPr marL="0" lvl="0" indent="0" algn="l" rtl="0">
-              <a:spcBef>
-                <a:spcPts val="0"/>
-              </a:spcBef>
-              <a:spcAft>
-                <a:spcPts val="0"/>
-              </a:spcAft>
-              <a:buClr>
-                <a:schemeClr val="lt2"/>
-              </a:buClr>
-              <a:buSzPts val="4000"/>
-              <a:buFont typeface="Lustria"/>
-              <a:buNone/>
-            </a:pPr>
-            <a:r>
-              <a:rPr lang="en-US" sz="4800"/>
-              <a:t>Normal Forms</a:t>
-            </a:r>
-            <a:endParaRPr sz="4800"/>
-          </a:p>
-        </p:txBody>
-      </p:sp>
-      <p:sp>
-        <p:nvSpPr>
-          <p:cNvPr id="251" name="Google Shape;251;p37"/>
-          <p:cNvSpPr txBox="1"/>
-          <p:nvPr/>
-        </p:nvSpPr>
-        <p:spPr>
-          <a:xfrm>
-            <a:off x="304524" y="1513075"/>
-            <a:ext cx="4904375" cy="5590458"/>
-          </a:xfrm>
-          <a:prstGeom prst="rect">
-            <a:avLst/>
-          </a:prstGeom>
-          <a:noFill/>
-          <a:ln>
-            <a:noFill/>
-          </a:ln>
-        </p:spPr>
-        <p:txBody>
-          <a:bodyPr spcFirstLastPara="1" wrap="square" lIns="91425" tIns="91425" rIns="91425" bIns="91425" anchor="t" anchorCtr="0">
-            <a:noAutofit/>
-          </a:bodyPr>
-          <a:lstStyle/>
-          <a:p>
-            <a:pPr marL="0" lvl="0" indent="0" algn="l" rtl="0">
-              <a:spcBef>
-                <a:spcPts val="0"/>
-              </a:spcBef>
-              <a:spcAft>
-                <a:spcPts val="0"/>
-              </a:spcAft>
-              <a:buNone/>
-            </a:pPr>
-            <a:br>
-              <a:rPr lang="en-US" sz="2400" dirty="0"/>
-            </a:br>
-            <a:r>
-              <a:rPr lang="en-US" sz="2400" dirty="0"/>
-              <a:t>Normal forms are standard rules for structuring a database to reduce redundancy and increase data integrity.</a:t>
-            </a:r>
-            <a:br>
-              <a:rPr lang="en-US" sz="2400" dirty="0"/>
-            </a:br>
-            <a:br>
-              <a:rPr lang="en-US" sz="2400" dirty="0"/>
-            </a:br>
-            <a:r>
-              <a:rPr lang="en-US" sz="2400" dirty="0"/>
-              <a:t>In essence, the rules serve to minimize space costs and error costs.</a:t>
-            </a:r>
-            <a:br>
-              <a:rPr lang="en-US" sz="2400" dirty="0"/>
-            </a:br>
-            <a:br>
-              <a:rPr lang="en-US" sz="2400" dirty="0"/>
-            </a:br>
-            <a:r>
-              <a:rPr lang="en-US" sz="2400" dirty="0"/>
-              <a:t>Denormalization involves selectively increasing redundancy to improve speed performance and reduce query complexity.</a:t>
-            </a:r>
-            <a:br>
-              <a:rPr lang="en-US" sz="2400" b="1" dirty="0"/>
-            </a:br>
-            <a:endParaRPr sz="2400" dirty="0"/>
-          </a:p>
-          <a:p>
-            <a:pPr marL="0" lvl="0" indent="0" algn="l" rtl="0">
-              <a:spcBef>
-                <a:spcPts val="0"/>
-              </a:spcBef>
-              <a:spcAft>
-                <a:spcPts val="0"/>
-              </a:spcAft>
-              <a:buNone/>
-            </a:pPr>
-            <a:endParaRPr sz="1800" dirty="0"/>
-          </a:p>
-          <a:p>
-            <a:pPr marL="0" lvl="0" indent="0" algn="l" rtl="0">
-              <a:spcBef>
-                <a:spcPts val="0"/>
-              </a:spcBef>
-              <a:spcAft>
-                <a:spcPts val="0"/>
-              </a:spcAft>
-              <a:buNone/>
-            </a:pPr>
-            <a:endParaRPr sz="1800" dirty="0"/>
-          </a:p>
-          <a:p>
-            <a:pPr marL="0" lvl="0" indent="0" algn="l" rtl="0">
-              <a:spcBef>
-                <a:spcPts val="0"/>
-              </a:spcBef>
-              <a:spcAft>
-                <a:spcPts val="0"/>
-              </a:spcAft>
-              <a:buNone/>
-            </a:pPr>
-            <a:endParaRPr sz="1800" dirty="0"/>
-          </a:p>
-          <a:p>
-            <a:pPr marL="0" lvl="0" indent="0" algn="l" rtl="0">
-              <a:spcBef>
-                <a:spcPts val="0"/>
-              </a:spcBef>
-              <a:spcAft>
-                <a:spcPts val="0"/>
-              </a:spcAft>
-              <a:buNone/>
-            </a:pPr>
-            <a:r>
-              <a:rPr lang="en-US" sz="1800" dirty="0"/>
-              <a:t> </a:t>
-            </a:r>
-            <a:endParaRPr sz="1800" dirty="0"/>
-          </a:p>
-        </p:txBody>
-      </p:sp>
-      <p:sp>
-        <p:nvSpPr>
-          <p:cNvPr id="252" name="Google Shape;252;p37"/>
-          <p:cNvSpPr txBox="1"/>
-          <p:nvPr/>
-        </p:nvSpPr>
-        <p:spPr>
-          <a:xfrm>
-            <a:off x="5208900" y="2604000"/>
-            <a:ext cx="6983100" cy="3000000"/>
-          </a:xfrm>
-          <a:prstGeom prst="rect">
-            <a:avLst/>
-          </a:prstGeom>
-          <a:noFill/>
-          <a:ln>
-            <a:noFill/>
-          </a:ln>
-        </p:spPr>
-        <p:txBody>
-          <a:bodyPr spcFirstLastPara="1" wrap="square" lIns="91425" tIns="91425" rIns="91425" bIns="91425" anchor="t" anchorCtr="0">
-            <a:noAutofit/>
-          </a:bodyPr>
-          <a:lstStyle/>
-          <a:p>
-            <a:pPr marL="0" lvl="0" indent="0" algn="ctr" rtl="0">
-              <a:lnSpc>
-                <a:spcPct val="115000"/>
-              </a:lnSpc>
-              <a:spcBef>
-                <a:spcPts val="500"/>
-              </a:spcBef>
-              <a:spcAft>
-                <a:spcPts val="0"/>
-              </a:spcAft>
-              <a:buNone/>
-            </a:pPr>
-            <a:r>
-              <a:rPr lang="en-US" sz="2000" dirty="0"/>
-              <a:t>E</a:t>
-            </a:r>
-            <a:r>
-              <a:rPr lang="en-US" sz="2200" dirty="0"/>
-              <a:t>very non-prime key attribute must provide a fact about</a:t>
-            </a:r>
-            <a:r>
-              <a:rPr lang="en-US" sz="2200" dirty="0">
-                <a:solidFill>
-                  <a:srgbClr val="DADADA"/>
-                </a:solidFill>
-              </a:rPr>
-              <a:t> </a:t>
-            </a:r>
-            <a:r>
-              <a:rPr lang="en-US" sz="2200" dirty="0">
-                <a:solidFill>
-                  <a:srgbClr val="FF0000"/>
-                </a:solidFill>
-              </a:rPr>
-              <a:t>the key</a:t>
-            </a:r>
-            <a:r>
-              <a:rPr lang="en-US" sz="2200" dirty="0">
-                <a:solidFill>
-                  <a:srgbClr val="DADADA"/>
-                </a:solidFill>
-              </a:rPr>
-              <a:t>, </a:t>
-            </a:r>
-            <a:r>
-              <a:rPr lang="en-US" sz="2200" dirty="0">
-                <a:solidFill>
-                  <a:srgbClr val="00B050"/>
-                </a:solidFill>
-              </a:rPr>
-              <a:t>the whole key</a:t>
-            </a:r>
-            <a:r>
-              <a:rPr lang="en-US" sz="2200" dirty="0">
-                <a:solidFill>
-                  <a:srgbClr val="DADADA"/>
-                </a:solidFill>
-              </a:rPr>
-              <a:t>, </a:t>
-            </a:r>
-            <a:r>
-              <a:rPr lang="en-US" sz="2200" dirty="0"/>
-              <a:t>and</a:t>
-            </a:r>
-            <a:r>
-              <a:rPr lang="en-US" sz="2200" dirty="0">
-                <a:solidFill>
-                  <a:srgbClr val="DADADA"/>
-                </a:solidFill>
-              </a:rPr>
-              <a:t> </a:t>
-            </a:r>
-            <a:r>
-              <a:rPr lang="en-US" sz="2200" dirty="0">
-                <a:solidFill>
-                  <a:srgbClr val="00B0F0"/>
-                </a:solidFill>
-              </a:rPr>
-              <a:t>nothing but the key</a:t>
-            </a:r>
-            <a:r>
-              <a:rPr lang="en-US" sz="2200" dirty="0">
-                <a:solidFill>
-                  <a:srgbClr val="DADADA"/>
-                </a:solidFill>
-              </a:rPr>
-              <a:t>.</a:t>
-            </a:r>
-            <a:endParaRPr sz="2200" dirty="0">
-              <a:solidFill>
-                <a:srgbClr val="DADADA"/>
-              </a:solidFill>
-            </a:endParaRPr>
-          </a:p>
-          <a:p>
-            <a:pPr marL="0" lvl="0" indent="0" algn="ctr" rtl="0">
-              <a:lnSpc>
-                <a:spcPct val="115000"/>
-              </a:lnSpc>
-              <a:spcBef>
-                <a:spcPts val="600"/>
-              </a:spcBef>
-              <a:spcAft>
-                <a:spcPts val="0"/>
-              </a:spcAft>
-              <a:buNone/>
-            </a:pPr>
-            <a:r>
-              <a:rPr lang="en-US" sz="2200" dirty="0">
-                <a:solidFill>
-                  <a:srgbClr val="FF0000"/>
-                </a:solidFill>
-              </a:rPr>
-              <a:t>1NF: first normal form</a:t>
-            </a:r>
-            <a:endParaRPr sz="2200" dirty="0">
-              <a:solidFill>
-                <a:srgbClr val="FF0000"/>
-              </a:solidFill>
-            </a:endParaRPr>
-          </a:p>
-          <a:p>
-            <a:pPr marL="0" lvl="0" indent="0" algn="ctr" rtl="0">
-              <a:lnSpc>
-                <a:spcPct val="115000"/>
-              </a:lnSpc>
-              <a:spcBef>
-                <a:spcPts val="600"/>
-              </a:spcBef>
-              <a:spcAft>
-                <a:spcPts val="0"/>
-              </a:spcAft>
-              <a:buNone/>
-            </a:pPr>
-            <a:r>
-              <a:rPr lang="en-US" sz="2200" dirty="0">
-                <a:solidFill>
-                  <a:srgbClr val="00B050"/>
-                </a:solidFill>
-              </a:rPr>
-              <a:t>2NF: second normal form</a:t>
-            </a:r>
-            <a:endParaRPr sz="2200" dirty="0">
-              <a:solidFill>
-                <a:srgbClr val="00B050"/>
-              </a:solidFill>
-            </a:endParaRPr>
-          </a:p>
-          <a:p>
-            <a:pPr marL="0" lvl="0" indent="0" algn="ctr" rtl="0">
-              <a:lnSpc>
-                <a:spcPct val="115000"/>
-              </a:lnSpc>
-              <a:spcBef>
-                <a:spcPts val="600"/>
-              </a:spcBef>
-              <a:spcAft>
-                <a:spcPts val="600"/>
-              </a:spcAft>
-              <a:buNone/>
-            </a:pPr>
-            <a:r>
-              <a:rPr lang="en-US" sz="2200" dirty="0">
-                <a:solidFill>
-                  <a:srgbClr val="00B0F0"/>
-                </a:solidFill>
-              </a:rPr>
-              <a:t>3NF: third normal form</a:t>
-            </a:r>
-            <a:endParaRPr sz="2200" dirty="0">
-              <a:solidFill>
-                <a:srgbClr val="00B0F0"/>
-              </a:solidFill>
-            </a:endParaRPr>
-          </a:p>
-        </p:txBody>
-      </p:sp>
-    </p:spTree>
-  </p:cSld>
-  <p:clrMapOvr>
-    <a:masterClrMapping/>
-  </p:clrMapOvr>
-</p:sld>
-</file>
-
-<file path=ppt/slides/slide11.xml><?xml version="1.0" encoding="utf-8"?>
-<p:sld xmlns:a="http://schemas.openxmlformats.org/drawingml/2006/main" xmlns:r="http://schemas.openxmlformats.org/officeDocument/2006/relationships" xmlns:p="http://schemas.openxmlformats.org/presentationml/2006/main">
-  <p:cSld>
-    <p:spTree>
-      <p:nvGrpSpPr>
         <p:cNvPr id="1" name="Shape 256"/>
         <p:cNvGrpSpPr/>
         <p:nvPr/>
@@ -15263,7 +14923,7 @@
 </p:sld>
 </file>
 
-<file path=ppt/slides/slide12.xml><?xml version="1.0" encoding="utf-8"?>
+<file path=ppt/slides/slide11.xml><?xml version="1.0" encoding="utf-8"?>
 <p:sld xmlns:a="http://schemas.openxmlformats.org/drawingml/2006/main" xmlns:r="http://schemas.openxmlformats.org/officeDocument/2006/relationships" xmlns:p="http://schemas.openxmlformats.org/presentationml/2006/main">
   <p:cSld>
     <p:spTree>
@@ -15373,20 +15033,20 @@
               <a:buNone/>
             </a:pPr>
             <a:br>
-              <a:rPr lang="en-US" sz="1800" b="1"/>
+              <a:rPr lang="en-US" sz="1800" b="1" dirty="0"/>
             </a:br>
             <a:r>
-              <a:rPr lang="en-US" sz="1800" b="1" u="sng"/>
+              <a:rPr lang="en-US" sz="1800" b="1" u="sng" dirty="0"/>
               <a:t>Requirement</a:t>
             </a:r>
             <a:r>
-              <a:rPr lang="en-US" sz="1800" b="1"/>
+              <a:rPr lang="en-US" sz="1800" b="1" dirty="0"/>
               <a:t>: The table(s) are in 1NF</a:t>
             </a:r>
             <a:br>
-              <a:rPr lang="en-US" sz="1800" b="1"/>
+              <a:rPr lang="en-US" sz="1800" b="1" dirty="0"/>
             </a:br>
-            <a:endParaRPr sz="1800" b="1"/>
+            <a:endParaRPr sz="1800" b="1" dirty="0"/>
           </a:p>
           <a:p>
             <a:pPr marL="0" lvl="0" indent="0" algn="l" rtl="0">
@@ -15399,14 +15059,14 @@
               <a:buNone/>
             </a:pPr>
             <a:r>
-              <a:rPr lang="en-US" sz="1800" b="1" u="sng"/>
+              <a:rPr lang="en-US" sz="1800" b="1" u="sng" dirty="0"/>
               <a:t>Rules</a:t>
             </a:r>
             <a:r>
-              <a:rPr lang="en-US" sz="1800" b="1"/>
+              <a:rPr lang="en-US" sz="1800" b="1" dirty="0"/>
               <a:t>: </a:t>
             </a:r>
-            <a:endParaRPr sz="1800" b="1"/>
+            <a:endParaRPr sz="1800" b="1" dirty="0"/>
           </a:p>
           <a:p>
             <a:pPr marL="0" lvl="0" indent="0" algn="l" rtl="0">
@@ -15422,13 +15082,13 @@
               <a:buNone/>
             </a:pPr>
             <a:r>
-              <a:rPr lang="en-US" sz="1800"/>
+              <a:rPr lang="en-US" sz="1800" dirty="0"/>
               <a:t>A relation is in second normal form (2NF) if all of its non-key attributes are dependent on all of the key.</a:t>
             </a:r>
             <a:br>
-              <a:rPr lang="en-US" sz="1800"/>
+              <a:rPr lang="en-US" sz="1800" dirty="0"/>
             </a:br>
-            <a:endParaRPr sz="1800"/>
+            <a:endParaRPr sz="1800" dirty="0"/>
           </a:p>
           <a:p>
             <a:pPr marL="0" lvl="0" indent="0" algn="l" rtl="0">
@@ -15444,13 +15104,13 @@
               <a:buNone/>
             </a:pPr>
             <a:r>
-              <a:rPr lang="en-US" sz="1800"/>
+              <a:rPr lang="en-US" sz="1800" dirty="0"/>
               <a:t>Another way to say this: A relation is in second normal form if it is free from partial-key dependencies</a:t>
             </a:r>
             <a:br>
-              <a:rPr lang="en-US" sz="1800"/>
+              <a:rPr lang="en-US" sz="1800" dirty="0"/>
             </a:br>
-            <a:endParaRPr sz="1800"/>
+            <a:endParaRPr sz="1800" dirty="0"/>
           </a:p>
           <a:p>
             <a:pPr marL="0" lvl="0" indent="0" algn="l" rtl="0">
@@ -15466,10 +15126,10 @@
               <a:buNone/>
             </a:pPr>
             <a:r>
-              <a:rPr lang="en-US" sz="1800"/>
+              <a:rPr lang="en-US" sz="1800" dirty="0"/>
               <a:t>Relations that have a single attribute for a key are automatically in 2NF.</a:t>
             </a:r>
-            <a:endParaRPr sz="1800"/>
+            <a:endParaRPr sz="1800" dirty="0"/>
           </a:p>
           <a:p>
             <a:pPr marL="0" lvl="0" indent="0" algn="l" rtl="0">
@@ -15485,19 +15145,19 @@
               <a:buNone/>
             </a:pPr>
             <a:br>
-              <a:rPr lang="en-US" sz="1800"/>
+              <a:rPr lang="en-US" sz="1800" dirty="0"/>
             </a:br>
             <a:r>
-              <a:rPr lang="en-US" sz="1800"/>
+              <a:rPr lang="en-US" sz="1800" dirty="0"/>
               <a:t>This is one reason why we often use artificial identifiers (non-composite keys) as keys.</a:t>
             </a:r>
             <a:br>
-              <a:rPr lang="en-US" sz="1800"/>
+              <a:rPr lang="en-US" sz="1800" dirty="0"/>
             </a:br>
             <a:br>
-              <a:rPr lang="en-US" sz="1800"/>
+              <a:rPr lang="en-US" sz="1800" dirty="0"/>
             </a:br>
-            <a:endParaRPr sz="1800"/>
+            <a:endParaRPr sz="1800" dirty="0"/>
           </a:p>
           <a:p>
             <a:pPr marL="0" lvl="0" indent="0" algn="l" rtl="0">
@@ -15509,7 +15169,7 @@
               </a:spcAft>
               <a:buNone/>
             </a:pPr>
-            <a:endParaRPr sz="1800"/>
+            <a:endParaRPr sz="1800" dirty="0"/>
           </a:p>
           <a:p>
             <a:pPr marL="0" lvl="0" indent="0" algn="l" rtl="0">
@@ -15521,7 +15181,7 @@
               </a:spcAft>
               <a:buNone/>
             </a:pPr>
-            <a:endParaRPr sz="1800"/>
+            <a:endParaRPr sz="1800" dirty="0"/>
           </a:p>
           <a:p>
             <a:pPr marL="0" lvl="0" indent="0" algn="l" rtl="0">
@@ -15533,7 +15193,7 @@
               </a:spcAft>
               <a:buNone/>
             </a:pPr>
-            <a:endParaRPr sz="1800"/>
+            <a:endParaRPr sz="1800" dirty="0"/>
           </a:p>
           <a:p>
             <a:pPr marL="0" lvl="0" indent="0" algn="l" rtl="0">
@@ -15546,10 +15206,10 @@
               <a:buNone/>
             </a:pPr>
             <a:r>
-              <a:rPr lang="en-US" sz="1800"/>
+              <a:rPr lang="en-US" sz="1800" dirty="0"/>
               <a:t> </a:t>
             </a:r>
-            <a:endParaRPr sz="1800"/>
+            <a:endParaRPr sz="1800" dirty="0"/>
           </a:p>
         </p:txBody>
       </p:sp>
@@ -20809,7 +20469,7 @@
 </p:sld>
 </file>
 
-<file path=ppt/slides/slide13.xml><?xml version="1.0" encoding="utf-8"?>
+<file path=ppt/slides/slide12.xml><?xml version="1.0" encoding="utf-8"?>
 <p:sld xmlns:a="http://schemas.openxmlformats.org/drawingml/2006/main" xmlns:r="http://schemas.openxmlformats.org/officeDocument/2006/relationships" xmlns:p="http://schemas.openxmlformats.org/presentationml/2006/main">
   <p:cSld>
     <p:spTree>
@@ -20880,10 +20540,7 @@
               <a:rPr lang="en-US" sz="4400" dirty="0"/>
               <a:t>OLAP - Dimensional Data Modeling</a:t>
             </a:r>
-            <a:br>
-              <a:rPr lang="en-US" sz="4800" dirty="0"/>
-            </a:br>
-            <a:endParaRPr sz="4800" dirty="0"/>
+            <a:endParaRPr lang="en-US" sz="4800" dirty="0"/>
           </a:p>
         </p:txBody>
       </p:sp>
@@ -21061,7 +20718,7 @@
             </a:r>
             <a:r>
               <a:rPr lang="en-US" sz="1800" dirty="0"/>
-              <a:t>: Increased space cost and  data integrity risk due to redundancies.</a:t>
+              <a:t>: Increased space cost and data integrity risk due to redundancies.</a:t>
             </a:r>
             <a:endParaRPr dirty="0"/>
           </a:p>
@@ -21296,7 +20953,7 @@
 </p:sld>
 </file>
 
-<file path=ppt/slides/slide14.xml><?xml version="1.0" encoding="utf-8"?>
+<file path=ppt/slides/slide13.xml><?xml version="1.0" encoding="utf-8"?>
 <p:sld xmlns:a="http://schemas.openxmlformats.org/drawingml/2006/main" xmlns:r="http://schemas.openxmlformats.org/officeDocument/2006/relationships" xmlns:p="http://schemas.openxmlformats.org/presentationml/2006/main">
   <p:cSld>
     <p:spTree>
@@ -21742,7 +21399,7 @@
 </p:sld>
 </file>
 
-<file path=ppt/slides/slide15.xml><?xml version="1.0" encoding="utf-8"?>
+<file path=ppt/slides/slide14.xml><?xml version="1.0" encoding="utf-8"?>
 <p:sld xmlns:a="http://schemas.openxmlformats.org/drawingml/2006/main" xmlns:r="http://schemas.openxmlformats.org/officeDocument/2006/relationships" xmlns:p="http://schemas.openxmlformats.org/presentationml/2006/main">
   <p:cSld>
     <p:spTree>
@@ -22098,7 +21755,7 @@
 </p:sld>
 </file>
 
-<file path=ppt/slides/slide16.xml><?xml version="1.0" encoding="utf-8"?>
+<file path=ppt/slides/slide15.xml><?xml version="1.0" encoding="utf-8"?>
 <p:sld xmlns:a="http://schemas.openxmlformats.org/drawingml/2006/main" xmlns:r="http://schemas.openxmlformats.org/officeDocument/2006/relationships" xmlns:p="http://schemas.openxmlformats.org/presentationml/2006/main">
   <p:cSld>
     <p:spTree>
@@ -22253,7 +21910,13 @@
             </a:pPr>
             <a:r>
               <a:rPr lang="en-US" sz="1700" dirty="0"/>
-              <a:t>2.  Create an ERD diagram in draw.io </a:t>
+              <a:t>2.  Create an ERD diagram in </a:t>
+            </a:r>
+            <a:r>
+              <a:rPr lang="en-US" sz="1700" dirty="0">
+                <a:hlinkClick r:id="rId3"/>
+              </a:rPr>
+              <a:t>diagrams.net</a:t>
             </a:r>
             <a:endParaRPr sz="1700" dirty="0"/>
           </a:p>
@@ -22352,20 +22015,8 @@
               <a:buNone/>
             </a:pPr>
             <a:r>
-              <a:rPr lang="en-US" sz="1700"/>
-              <a:t>3. Once </a:t>
-            </a:r>
-            <a:r>
               <a:rPr lang="en-US" sz="1700" dirty="0"/>
-              <a:t>designing and normalization of the database is complete, create the SQL code (via views) that creates </a:t>
-            </a:r>
-            <a:r>
-              <a:rPr lang="en-US" sz="1700"/>
-              <a:t>the OLAP relationship </a:t>
-            </a:r>
-            <a:r>
-              <a:rPr lang="en-US" sz="1700" dirty="0"/>
-              <a:t>between tables. </a:t>
+              <a:t>3. Once designing and normalization of the database is complete, create the SQL code (via views) that creates the OLAP relationship between tables. </a:t>
             </a:r>
             <a:endParaRPr sz="1700" dirty="0"/>
           </a:p>
@@ -22400,7 +22051,7 @@
                 <a:solidFill>
                   <a:schemeClr val="hlink"/>
                 </a:solidFill>
-                <a:hlinkClick r:id="rId3"/>
+                <a:hlinkClick r:id="rId4"/>
               </a:rPr>
               <a:t>https://drive.google.com/file/d/1Y9GhKlDneFCqDSSHyWLC09beGWrC0qpc/view</a:t>
             </a:r>
@@ -22415,7 +22066,7 @@
           <p:nvPr/>
         </p:nvPicPr>
         <p:blipFill>
-          <a:blip r:embed="rId4">
+          <a:blip r:embed="rId5">
             <a:alphaModFix/>
           </a:blip>
           <a:stretch>
@@ -22444,7 +22095,7 @@
 </p:sld>
 </file>
 
-<file path=ppt/slides/slide17.xml><?xml version="1.0" encoding="utf-8"?>
+<file path=ppt/slides/slide16.xml><?xml version="1.0" encoding="utf-8"?>
 <p:sld xmlns:a="http://schemas.openxmlformats.org/drawingml/2006/main" xmlns:r="http://schemas.openxmlformats.org/officeDocument/2006/relationships" xmlns:p="http://schemas.openxmlformats.org/presentationml/2006/main">
   <p:cSld>
     <p:spTree>
@@ -26675,7 +26326,7 @@
 </p:sld>
 </file>
 
-<file path=ppt/slides/slide18.xml><?xml version="1.0" encoding="utf-8"?>
+<file path=ppt/slides/slide17.xml><?xml version="1.0" encoding="utf-8"?>
 <p:sld xmlns:a="http://schemas.openxmlformats.org/drawingml/2006/main" xmlns:r="http://schemas.openxmlformats.org/officeDocument/2006/relationships" xmlns:p="http://schemas.openxmlformats.org/presentationml/2006/main">
   <p:cSld>
     <p:spTree>
@@ -27018,10 +26669,10 @@
               <a:buChar char="●"/>
             </a:pPr>
             <a:r>
-              <a:rPr lang="en-US" sz="2400"/>
+              <a:rPr lang="en-US" sz="2400" dirty="0"/>
               <a:t>Creation/Extraction</a:t>
             </a:r>
-            <a:endParaRPr sz="2400"/>
+            <a:endParaRPr sz="2400" dirty="0"/>
           </a:p>
           <a:p>
             <a:pPr marL="0" lvl="0" indent="0" algn="l" rtl="0">
@@ -27033,7 +26684,7 @@
               </a:spcAft>
               <a:buNone/>
             </a:pPr>
-            <a:endParaRPr sz="2400"/>
+            <a:endParaRPr sz="2400" dirty="0"/>
           </a:p>
           <a:p>
             <a:pPr marL="0" lvl="0" indent="0" algn="l" rtl="0">
@@ -27045,7 +26696,7 @@
               </a:spcAft>
               <a:buNone/>
             </a:pPr>
-            <a:endParaRPr sz="2400"/>
+            <a:endParaRPr sz="2400" dirty="0"/>
           </a:p>
           <a:p>
             <a:pPr marL="342900" lvl="0" indent="-369500" algn="l" rtl="0">
@@ -27059,10 +26710,10 @@
               <a:buChar char="●"/>
             </a:pPr>
             <a:r>
-              <a:rPr lang="en-US" sz="2400"/>
+              <a:rPr lang="en-US" sz="2400" dirty="0"/>
               <a:t>Transformation data</a:t>
             </a:r>
-            <a:endParaRPr sz="2400"/>
+            <a:endParaRPr sz="2400" dirty="0"/>
           </a:p>
           <a:p>
             <a:pPr marL="0" lvl="0" indent="0" algn="l" rtl="0">
@@ -27075,7 +26726,7 @@
               <a:buSzPts val="1400"/>
               <a:buNone/>
             </a:pPr>
-            <a:endParaRPr sz="2400"/>
+            <a:endParaRPr sz="2400" dirty="0"/>
           </a:p>
           <a:p>
             <a:pPr marL="342900" lvl="0" indent="-369500" algn="l" rtl="0">
@@ -27089,13 +26740,13 @@
               <a:buChar char="●"/>
             </a:pPr>
             <a:r>
-              <a:rPr lang="en-US" sz="2400"/>
-              <a:t>Cleaning data</a:t>
+              <a:rPr lang="en-US" sz="2400" dirty="0"/>
+              <a:t>Manipulating data</a:t>
             </a:r>
             <a:br>
-              <a:rPr lang="en-US" sz="2400"/>
+              <a:rPr lang="en-US" sz="2400" dirty="0"/>
             </a:br>
-            <a:endParaRPr sz="2400"/>
+            <a:endParaRPr sz="2400" dirty="0"/>
           </a:p>
           <a:p>
             <a:pPr marL="342900" lvl="0" indent="-369500" algn="l" rtl="0">
@@ -27109,10 +26760,10 @@
               <a:buChar char="●"/>
             </a:pPr>
             <a:r>
-              <a:rPr lang="en-US" sz="2400"/>
+              <a:rPr lang="en-US" sz="2400" dirty="0"/>
               <a:t>Storage &amp; Retrieval</a:t>
             </a:r>
-            <a:endParaRPr sz="2400"/>
+            <a:endParaRPr sz="2400" dirty="0"/>
           </a:p>
         </p:txBody>
       </p:sp>
@@ -27457,8 +27108,8 @@
         </p:nvSpPr>
         <p:spPr>
           <a:xfrm>
-            <a:off x="467825" y="2146791"/>
-            <a:ext cx="4950300" cy="1189800"/>
+            <a:off x="467825" y="2498271"/>
+            <a:ext cx="4950300" cy="3420836"/>
           </a:xfrm>
           <a:prstGeom prst="rect">
             <a:avLst/>
@@ -27500,7 +27151,7 @@
               </a:spcAft>
               <a:buNone/>
             </a:pPr>
-            <a:endParaRPr sz="1800" dirty="0">
+            <a:endParaRPr sz="1800" b="1" dirty="0">
               <a:latin typeface="Lato"/>
               <a:ea typeface="Lato"/>
               <a:cs typeface="Lato"/>
@@ -27525,7 +27176,7 @@
                 <a:cs typeface="Lato"/>
                 <a:sym typeface="Lato"/>
               </a:rPr>
-              <a:t>A map of a database schema</a:t>
+              <a:t>The model maps how information is stored and relates to other data.</a:t>
             </a:r>
             <a:endParaRPr sz="1800" b="1" dirty="0">
               <a:latin typeface="Lato"/>
@@ -27569,9 +27220,21 @@
                 <a:cs typeface="Lato"/>
                 <a:sym typeface="Lato"/>
               </a:rPr>
-              <a:t>Data modeling is a process for creating a database’s data model that focuses on the data. (vs. Data Science Modeling)</a:t>
-            </a:r>
-            <a:endParaRPr sz="1800" b="1" dirty="0">
+              <a:t>Entity-relationship (ER) diagrams are formal mapping processes.</a:t>
+            </a:r>
+          </a:p>
+          <a:p>
+            <a:pPr marL="457200" lvl="0" indent="-342900" algn="l" rtl="0">
+              <a:spcBef>
+                <a:spcPts val="0"/>
+              </a:spcBef>
+              <a:spcAft>
+                <a:spcPts val="0"/>
+              </a:spcAft>
+              <a:buSzPts val="1800"/>
+              <a:buChar char="●"/>
+            </a:pPr>
+            <a:endParaRPr lang="en-US" sz="1800" b="1" dirty="0">
               <a:latin typeface="Lato"/>
               <a:ea typeface="Lato"/>
               <a:cs typeface="Lato"/>
@@ -27579,31 +27242,9 @@
             </a:endParaRPr>
           </a:p>
           <a:p>
-            <a:pPr marL="457200" lvl="0" indent="0" algn="l" rtl="0">
-              <a:spcBef>
-                <a:spcPts val="0"/>
-              </a:spcBef>
-              <a:spcAft>
-                <a:spcPts val="0"/>
-              </a:spcAft>
-              <a:buNone/>
-            </a:pPr>
-            <a:endParaRPr sz="1800" b="1" dirty="0">
-              <a:latin typeface="Lato"/>
-              <a:ea typeface="Lato"/>
-              <a:cs typeface="Lato"/>
-              <a:sym typeface="Lato"/>
-            </a:endParaRPr>
-          </a:p>
-          <a:p>
-            <a:pPr marL="457200" lvl="0" indent="-342900" algn="l" rtl="0">
-              <a:spcBef>
-                <a:spcPts val="0"/>
-              </a:spcBef>
-              <a:spcAft>
-                <a:spcPts val="0"/>
-              </a:spcAft>
+            <a:pPr marL="457200" indent="-342900">
               <a:buSzPts val="1800"/>
+              <a:buFont typeface="Arial"/>
               <a:buChar char="●"/>
             </a:pPr>
             <a:r>
@@ -27613,52 +27254,19 @@
                 <a:cs typeface="Lato"/>
                 <a:sym typeface="Lato"/>
               </a:rPr>
-              <a:t>The model maps how information is stored and relates to other data.</a:t>
-            </a:r>
-            <a:endParaRPr sz="1800" b="1" dirty="0">
-              <a:latin typeface="Lato"/>
-              <a:ea typeface="Lato"/>
-              <a:cs typeface="Lato"/>
-              <a:sym typeface="Lato"/>
-            </a:endParaRPr>
+              <a:t>A map of a database schema</a:t>
+            </a:r>
           </a:p>
           <a:p>
-            <a:pPr marL="457200" lvl="0" indent="0" algn="l" rtl="0">
-              <a:spcBef>
-                <a:spcPts val="0"/>
-              </a:spcBef>
-              <a:spcAft>
-                <a:spcPts val="0"/>
-              </a:spcAft>
-              <a:buNone/>
+            <a:pPr marL="114300" lvl="0" algn="l" rtl="0">
+              <a:spcBef>
+                <a:spcPts val="0"/>
+              </a:spcBef>
+              <a:spcAft>
+                <a:spcPts val="0"/>
+              </a:spcAft>
+              <a:buSzPts val="1800"/>
             </a:pPr>
-            <a:endParaRPr sz="1800" b="1" dirty="0">
-              <a:latin typeface="Lato"/>
-              <a:ea typeface="Lato"/>
-              <a:cs typeface="Lato"/>
-              <a:sym typeface="Lato"/>
-            </a:endParaRPr>
-          </a:p>
-          <a:p>
-            <a:pPr marL="457200" lvl="0" indent="-342900" algn="l" rtl="0">
-              <a:spcBef>
-                <a:spcPts val="0"/>
-              </a:spcBef>
-              <a:spcAft>
-                <a:spcPts val="0"/>
-              </a:spcAft>
-              <a:buSzPts val="1800"/>
-              <a:buChar char="●"/>
-            </a:pPr>
-            <a:r>
-              <a:rPr lang="en-US" sz="1800" b="1" dirty="0">
-                <a:latin typeface="Lato"/>
-                <a:ea typeface="Lato"/>
-                <a:cs typeface="Lato"/>
-                <a:sym typeface="Lato"/>
-              </a:rPr>
-              <a:t>Entity-relationship (ER) diagrams are formal mapping processes.</a:t>
-            </a:r>
             <a:br>
               <a:rPr lang="en-US" sz="1800" b="1" dirty="0">
                 <a:latin typeface="Lato"/>
@@ -27685,7 +27293,7 @@
         <p:spPr>
           <a:xfrm>
             <a:off x="779125" y="1649975"/>
-            <a:ext cx="9473400" cy="3000000"/>
+            <a:ext cx="9473400" cy="970500"/>
           </a:xfrm>
           <a:prstGeom prst="rect">
             <a:avLst/>
@@ -27880,7 +27488,7 @@
               </a:spcAft>
               <a:buNone/>
             </a:pPr>
-            <a:endParaRPr sz="1800"/>
+            <a:endParaRPr sz="1800" dirty="0"/>
           </a:p>
           <a:p>
             <a:pPr marL="457200" lvl="0" indent="-342900" algn="l" rtl="0">
@@ -27897,14 +27505,14 @@
               <a:buAutoNum type="arabicPeriod"/>
             </a:pPr>
             <a:r>
-              <a:rPr lang="en-US" sz="1800" b="1"/>
+              <a:rPr lang="en-US" sz="1800" b="1" dirty="0"/>
               <a:t>Entities</a:t>
             </a:r>
             <a:r>
-              <a:rPr lang="en-US" sz="1800"/>
-              <a:t> describes the business events of an organization </a:t>
-            </a:r>
-            <a:endParaRPr sz="1800"/>
+              <a:rPr lang="en-US" sz="1800" dirty="0"/>
+              <a:t> (Nouns) describes the business events of an organization </a:t>
+            </a:r>
+            <a:endParaRPr sz="1800" dirty="0"/>
           </a:p>
           <a:p>
             <a:pPr marL="457200" lvl="0" indent="-342900" algn="l" rtl="0">
@@ -27921,14 +27529,14 @@
               <a:buAutoNum type="arabicPeriod"/>
             </a:pPr>
             <a:r>
-              <a:rPr lang="en-US" sz="1800" b="1"/>
+              <a:rPr lang="en-US" sz="1800" b="1" dirty="0"/>
               <a:t>Attributes</a:t>
             </a:r>
             <a:r>
-              <a:rPr lang="en-US" sz="1800"/>
-              <a:t> supports decision making, reporting, query, and analysis (i.e. describes business performance).</a:t>
-            </a:r>
-            <a:endParaRPr sz="1800"/>
+              <a:rPr lang="en-US" sz="1800" dirty="0"/>
+              <a:t> (Adjectives) supports decision making, reporting, query, and analysis (i.e. describes business performance).</a:t>
+            </a:r>
+            <a:endParaRPr sz="1800" dirty="0"/>
           </a:p>
           <a:p>
             <a:pPr marL="457200" lvl="0" indent="-342900" algn="l" rtl="0">
@@ -27945,14 +27553,14 @@
               <a:buAutoNum type="arabicPeriod"/>
             </a:pPr>
             <a:r>
-              <a:rPr lang="en-US" sz="1800" b="1"/>
+              <a:rPr lang="en-US" sz="1800" b="1" dirty="0"/>
               <a:t>Relationships</a:t>
             </a:r>
             <a:r>
-              <a:rPr lang="en-US" sz="1800"/>
+              <a:rPr lang="en-US" sz="1800" dirty="0"/>
               <a:t> represents the key business entities upon which transactions are executed and the dimensions around which analysis is conducted (i.e. describes key business entities).</a:t>
             </a:r>
-            <a:endParaRPr sz="1800"/>
+            <a:endParaRPr sz="1800" dirty="0"/>
           </a:p>
           <a:p>
             <a:pPr marL="0" lvl="0" indent="0" algn="l" rtl="0">
@@ -27967,7 +27575,7 @@
               </a:spcAft>
               <a:buNone/>
             </a:pPr>
-            <a:endParaRPr/>
+            <a:endParaRPr dirty="0"/>
           </a:p>
           <a:p>
             <a:pPr marL="0" lvl="0" indent="0" algn="l" rtl="0">
@@ -27982,7 +27590,7 @@
               </a:spcAft>
               <a:buNone/>
             </a:pPr>
-            <a:endParaRPr sz="1000">
+            <a:endParaRPr sz="1000" dirty="0">
               <a:solidFill>
                 <a:srgbClr val="777777"/>
               </a:solidFill>
@@ -27999,7 +27607,7 @@
         <p:spPr>
           <a:xfrm>
             <a:off x="498500" y="1683625"/>
-            <a:ext cx="5922000" cy="3000000"/>
+            <a:ext cx="5922000" cy="1173875"/>
           </a:xfrm>
           <a:prstGeom prst="rect">
             <a:avLst/>
@@ -28025,7 +27633,7 @@
               <a:buNone/>
             </a:pPr>
             <a:r>
-              <a:rPr lang="en-US" sz="2000" b="1">
+              <a:rPr lang="en-US" sz="2000" b="1" dirty="0">
                 <a:latin typeface="Lato"/>
                 <a:ea typeface="Lato"/>
                 <a:cs typeface="Lato"/>
@@ -28034,7 +27642,7 @@
               <a:t>ERD Diagrams </a:t>
             </a:r>
             <a:r>
-              <a:rPr lang="en-US" sz="2000">
+              <a:rPr lang="en-US" sz="2000" dirty="0">
                 <a:latin typeface="Lato"/>
                 <a:ea typeface="Lato"/>
                 <a:cs typeface="Lato"/>
@@ -28042,7 +27650,7 @@
               </a:rPr>
               <a:t>describes interrelated entities of interest in a specific domain of knowledge, along with the relationships that exists between them.  </a:t>
             </a:r>
-            <a:endParaRPr sz="2000"/>
+            <a:endParaRPr sz="2000" dirty="0"/>
           </a:p>
         </p:txBody>
       </p:sp>
@@ -29817,7 +29425,7 @@
         </p:blipFill>
         <p:spPr>
           <a:xfrm>
-            <a:off x="1782575" y="1782425"/>
+            <a:off x="231360" y="1757932"/>
             <a:ext cx="8942450" cy="4881100"/>
           </a:xfrm>
           <a:prstGeom prst="rect">
@@ -29829,6 +29437,36 @@
           </a:ln>
         </p:spPr>
       </p:pic>
+      <p:pic>
+        <p:nvPicPr>
+          <p:cNvPr id="3" name="Picture 2">
+            <a:extLst>
+              <a:ext uri="{FF2B5EF4-FFF2-40B4-BE49-F238E27FC236}">
+                <a16:creationId xmlns:a16="http://schemas.microsoft.com/office/drawing/2014/main" id="{59DDAEBF-4E63-4EE3-8A9E-3B5D7AA18308}"/>
+              </a:ext>
+            </a:extLst>
+          </p:cNvPr>
+          <p:cNvPicPr>
+            <a:picLocks noChangeAspect="1"/>
+          </p:cNvPicPr>
+          <p:nvPr/>
+        </p:nvPicPr>
+        <p:blipFill>
+          <a:blip r:embed="rId4"/>
+          <a:stretch>
+            <a:fillRect/>
+          </a:stretch>
+        </p:blipFill>
+        <p:spPr>
+          <a:xfrm>
+            <a:off x="9427708" y="3025548"/>
+            <a:ext cx="2532932" cy="2169353"/>
+          </a:xfrm>
+          <a:prstGeom prst="rect">
+            <a:avLst/>
+          </a:prstGeom>
+        </p:spPr>
+      </p:pic>
     </p:spTree>
   </p:cSld>
   <p:clrMapOvr>
@@ -29838,364 +29476,6 @@
 </file>
 
 <file path=ppt/slides/slide8.xml><?xml version="1.0" encoding="utf-8"?>
-<p:sld xmlns:a="http://schemas.openxmlformats.org/drawingml/2006/main" xmlns:r="http://schemas.openxmlformats.org/officeDocument/2006/relationships" xmlns:p="http://schemas.openxmlformats.org/presentationml/2006/main">
-  <p:cSld>
-    <p:spTree>
-      <p:nvGrpSpPr>
-        <p:cNvPr id="1" name="Shape 234"/>
-        <p:cNvGrpSpPr/>
-        <p:nvPr/>
-      </p:nvGrpSpPr>
-      <p:grpSpPr>
-        <a:xfrm>
-          <a:off x="0" y="0"/>
-          <a:ext cx="0" cy="0"/>
-          <a:chOff x="0" y="0"/>
-          <a:chExt cx="0" cy="0"/>
-        </a:xfrm>
-      </p:grpSpPr>
-      <p:sp>
-        <p:nvSpPr>
-          <p:cNvPr id="235" name="Google Shape;235;p35"/>
-          <p:cNvSpPr txBox="1">
-            <a:spLocks noGrp="1"/>
-          </p:cNvSpPr>
-          <p:nvPr>
-            <p:ph type="ctrTitle"/>
-          </p:nvPr>
-        </p:nvSpPr>
-        <p:spPr>
-          <a:xfrm>
-            <a:off x="913800" y="609600"/>
-            <a:ext cx="10680000" cy="970500"/>
-          </a:xfrm>
-          <a:prstGeom prst="rect">
-            <a:avLst/>
-          </a:prstGeom>
-          <a:noFill/>
-          <a:ln>
-            <a:noFill/>
-          </a:ln>
-          <a:effectLst>
-            <a:outerShdw blurRad="25400">
-              <a:srgbClr val="000000">
-                <a:alpha val="45880"/>
-              </a:srgbClr>
-            </a:outerShdw>
-          </a:effectLst>
-        </p:spPr>
-        <p:txBody>
-          <a:bodyPr spcFirstLastPara="1" wrap="square" lIns="91425" tIns="45700" rIns="91425" bIns="45700" anchor="ctr" anchorCtr="0">
-            <a:noAutofit/>
-          </a:bodyPr>
-          <a:lstStyle/>
-          <a:p>
-            <a:pPr marL="0" lvl="0" indent="0" algn="l" rtl="0">
-              <a:spcBef>
-                <a:spcPts val="0"/>
-              </a:spcBef>
-              <a:spcAft>
-                <a:spcPts val="0"/>
-              </a:spcAft>
-              <a:buClr>
-                <a:schemeClr val="lt2"/>
-              </a:buClr>
-              <a:buSzPts val="4000"/>
-              <a:buFont typeface="Lustria"/>
-              <a:buNone/>
-            </a:pPr>
-            <a:r>
-              <a:rPr lang="en-US" sz="4800"/>
-              <a:t>SQL Constraints</a:t>
-            </a:r>
-            <a:endParaRPr sz="4800"/>
-          </a:p>
-        </p:txBody>
-      </p:sp>
-      <p:sp>
-        <p:nvSpPr>
-          <p:cNvPr id="236" name="Google Shape;236;p35"/>
-          <p:cNvSpPr txBox="1"/>
-          <p:nvPr/>
-        </p:nvSpPr>
-        <p:spPr>
-          <a:xfrm>
-            <a:off x="548400" y="3421725"/>
-            <a:ext cx="5704800" cy="3131400"/>
-          </a:xfrm>
-          <a:prstGeom prst="rect">
-            <a:avLst/>
-          </a:prstGeom>
-          <a:noFill/>
-          <a:ln>
-            <a:noFill/>
-          </a:ln>
-        </p:spPr>
-        <p:txBody>
-          <a:bodyPr spcFirstLastPara="1" wrap="square" lIns="91425" tIns="91425" rIns="91425" bIns="91425" anchor="ctr" anchorCtr="0">
-            <a:noAutofit/>
-          </a:bodyPr>
-          <a:lstStyle/>
-          <a:p>
-            <a:pPr marL="0" lvl="0" indent="0" algn="l" rtl="0">
-              <a:lnSpc>
-                <a:spcPct val="115000"/>
-              </a:lnSpc>
-              <a:spcBef>
-                <a:spcPts val="0"/>
-              </a:spcBef>
-              <a:spcAft>
-                <a:spcPts val="0"/>
-              </a:spcAft>
-              <a:buNone/>
-            </a:pPr>
-            <a:r>
-              <a:rPr lang="en-US" sz="1800" b="1"/>
-              <a:t> </a:t>
-            </a:r>
-            <a:endParaRPr sz="1800" b="1"/>
-          </a:p>
-          <a:p>
-            <a:pPr marL="0" lvl="0" indent="0" algn="l" rtl="0">
-              <a:lnSpc>
-                <a:spcPct val="100000"/>
-              </a:lnSpc>
-              <a:spcBef>
-                <a:spcPts val="1000"/>
-              </a:spcBef>
-              <a:spcAft>
-                <a:spcPts val="0"/>
-              </a:spcAft>
-              <a:buNone/>
-            </a:pPr>
-            <a:r>
-              <a:rPr lang="en-US" sz="1800" b="1"/>
-              <a:t>NOT NULL Constraint − Ensures that a column cannot have NULL value.</a:t>
-            </a:r>
-            <a:br>
-              <a:rPr lang="en-US" sz="1800" b="1"/>
-            </a:br>
-            <a:br>
-              <a:rPr lang="en-US" sz="1800" b="1"/>
-            </a:br>
-            <a:r>
-              <a:rPr lang="en-US" sz="1800" b="1"/>
-              <a:t>DEFAULT Constraint − Provides a default value for a column when none is specified.</a:t>
-            </a:r>
-            <a:br>
-              <a:rPr lang="en-US" sz="1800" b="1"/>
-            </a:br>
-            <a:br>
-              <a:rPr lang="en-US" sz="1800" b="1"/>
-            </a:br>
-            <a:r>
-              <a:rPr lang="en-US" sz="1800" b="1"/>
-              <a:t>UNIQUE Constraint − Ensures that all values in a column are different.</a:t>
-            </a:r>
-            <a:endParaRPr sz="1800" b="1"/>
-          </a:p>
-          <a:p>
-            <a:pPr marL="0" lvl="0" indent="0" algn="l" rtl="0">
-              <a:lnSpc>
-                <a:spcPct val="100000"/>
-              </a:lnSpc>
-              <a:spcBef>
-                <a:spcPts val="1000"/>
-              </a:spcBef>
-              <a:spcAft>
-                <a:spcPts val="0"/>
-              </a:spcAft>
-              <a:buNone/>
-            </a:pPr>
-            <a:endParaRPr sz="1800" b="1"/>
-          </a:p>
-          <a:p>
-            <a:pPr marL="0" lvl="0" indent="0" algn="l" rtl="0">
-              <a:lnSpc>
-                <a:spcPct val="100000"/>
-              </a:lnSpc>
-              <a:spcBef>
-                <a:spcPts val="1000"/>
-              </a:spcBef>
-              <a:spcAft>
-                <a:spcPts val="0"/>
-              </a:spcAft>
-              <a:buClr>
-                <a:srgbClr val="000000"/>
-              </a:buClr>
-              <a:buSzPts val="1100"/>
-              <a:buFont typeface="Arial"/>
-              <a:buNone/>
-            </a:pPr>
-            <a:r>
-              <a:rPr lang="en-US" sz="1800" b="1"/>
-              <a:t>INDEX − Used to create and retrieve data from the database very quickly.</a:t>
-            </a:r>
-            <a:endParaRPr sz="1800"/>
-          </a:p>
-          <a:p>
-            <a:pPr marL="0" lvl="0" indent="0" algn="l" rtl="0">
-              <a:lnSpc>
-                <a:spcPct val="115000"/>
-              </a:lnSpc>
-              <a:spcBef>
-                <a:spcPts val="1000"/>
-              </a:spcBef>
-              <a:spcAft>
-                <a:spcPts val="0"/>
-              </a:spcAft>
-              <a:buNone/>
-            </a:pPr>
-            <a:br>
-              <a:rPr lang="en-US" sz="1800" b="1"/>
-            </a:br>
-            <a:br>
-              <a:rPr lang="en-US" sz="1800" b="1"/>
-            </a:br>
-            <a:endParaRPr/>
-          </a:p>
-          <a:p>
-            <a:pPr marL="0" lvl="0" indent="0" algn="l" rtl="0">
-              <a:lnSpc>
-                <a:spcPct val="115000"/>
-              </a:lnSpc>
-              <a:spcBef>
-                <a:spcPts val="1000"/>
-              </a:spcBef>
-              <a:spcAft>
-                <a:spcPts val="0"/>
-              </a:spcAft>
-              <a:buNone/>
-            </a:pPr>
-            <a:endParaRPr sz="1000">
-              <a:solidFill>
-                <a:srgbClr val="777777"/>
-              </a:solidFill>
-            </a:endParaRPr>
-          </a:p>
-        </p:txBody>
-      </p:sp>
-      <p:sp>
-        <p:nvSpPr>
-          <p:cNvPr id="237" name="Google Shape;237;p35"/>
-          <p:cNvSpPr txBox="1"/>
-          <p:nvPr/>
-        </p:nvSpPr>
-        <p:spPr>
-          <a:xfrm>
-            <a:off x="548400" y="1866925"/>
-            <a:ext cx="11095200" cy="3000000"/>
-          </a:xfrm>
-          <a:prstGeom prst="rect">
-            <a:avLst/>
-          </a:prstGeom>
-          <a:noFill/>
-          <a:ln>
-            <a:noFill/>
-          </a:ln>
-        </p:spPr>
-        <p:txBody>
-          <a:bodyPr spcFirstLastPara="1" wrap="square" lIns="91425" tIns="91425" rIns="91425" bIns="91425" anchor="t" anchorCtr="0">
-            <a:noAutofit/>
-          </a:bodyPr>
-          <a:lstStyle/>
-          <a:p>
-            <a:pPr marL="0" lvl="0" indent="0" algn="l" rtl="0">
-              <a:spcBef>
-                <a:spcPts val="0"/>
-              </a:spcBef>
-              <a:spcAft>
-                <a:spcPts val="0"/>
-              </a:spcAft>
-              <a:buNone/>
-            </a:pPr>
-            <a:r>
-              <a:rPr lang="en-US" sz="2000">
-                <a:latin typeface="Lato"/>
-                <a:ea typeface="Lato"/>
-                <a:cs typeface="Lato"/>
-                <a:sym typeface="Lato"/>
-              </a:rPr>
-              <a:t>Constraints are the rules enforced on the data columns of a table. These are used to limit the type of data that can go into a table. This ensures the accuracy and reliability of the data in the database. </a:t>
-            </a:r>
-            <a:endParaRPr sz="2000"/>
-          </a:p>
-        </p:txBody>
-      </p:sp>
-      <p:sp>
-        <p:nvSpPr>
-          <p:cNvPr id="238" name="Google Shape;238;p35"/>
-          <p:cNvSpPr txBox="1"/>
-          <p:nvPr/>
-        </p:nvSpPr>
-        <p:spPr>
-          <a:xfrm>
-            <a:off x="5939575" y="2878650"/>
-            <a:ext cx="5976900" cy="3000000"/>
-          </a:xfrm>
-          <a:prstGeom prst="rect">
-            <a:avLst/>
-          </a:prstGeom>
-          <a:noFill/>
-          <a:ln>
-            <a:noFill/>
-          </a:ln>
-        </p:spPr>
-        <p:txBody>
-          <a:bodyPr spcFirstLastPara="1" wrap="square" lIns="91425" tIns="91425" rIns="91425" bIns="91425" anchor="t" anchorCtr="0">
-            <a:noAutofit/>
-          </a:bodyPr>
-          <a:lstStyle/>
-          <a:p>
-            <a:pPr marL="457200" lvl="0" indent="0" algn="l" rtl="0">
-              <a:lnSpc>
-                <a:spcPct val="115000"/>
-              </a:lnSpc>
-              <a:spcBef>
-                <a:spcPts val="0"/>
-              </a:spcBef>
-              <a:spcAft>
-                <a:spcPts val="1000"/>
-              </a:spcAft>
-              <a:buNone/>
-            </a:pPr>
-            <a:r>
-              <a:rPr lang="en-US" sz="1800" b="1"/>
-              <a:t>PRIMARY Key − Uniquely identifies each row/record in a database table.</a:t>
-            </a:r>
-            <a:br>
-              <a:rPr lang="en-US" sz="1800" b="1"/>
-            </a:br>
-            <a:br>
-              <a:rPr lang="en-US" sz="1800" b="1"/>
-            </a:br>
-            <a:r>
-              <a:rPr lang="en-US" sz="1800" b="1"/>
-              <a:t>FOREIGN Key − Uniquely identifies a row/record in any of the given database table.</a:t>
-            </a:r>
-            <a:br>
-              <a:rPr lang="en-US" sz="1800" b="1"/>
-            </a:br>
-            <a:br>
-              <a:rPr lang="en-US" sz="1800" b="1"/>
-            </a:br>
-            <a:r>
-              <a:rPr lang="en-US" sz="1800" b="1"/>
-              <a:t>CHECK Constraint - The CHECK constraint ensures that all the values in a column satisfies certain conditions.</a:t>
-            </a:r>
-            <a:endParaRPr sz="1800"/>
-          </a:p>
-        </p:txBody>
-      </p:sp>
-    </p:spTree>
-  </p:cSld>
-  <p:clrMapOvr>
-    <a:masterClrMapping/>
-  </p:clrMapOvr>
-</p:sld>
-</file>
-
-<file path=ppt/slides/slide9.xml><?xml version="1.0" encoding="utf-8"?>
 <p:sld xmlns:a="http://schemas.openxmlformats.org/drawingml/2006/main" xmlns:r="http://schemas.openxmlformats.org/officeDocument/2006/relationships" xmlns:p="http://schemas.openxmlformats.org/presentationml/2006/main">
   <p:cSld>
     <p:spTree>
@@ -30352,6 +29632,411 @@
           </a:ln>
         </p:spPr>
       </p:pic>
+    </p:spTree>
+  </p:cSld>
+  <p:clrMapOvr>
+    <a:masterClrMapping/>
+  </p:clrMapOvr>
+</p:sld>
+</file>
+
+<file path=ppt/slides/slide9.xml><?xml version="1.0" encoding="utf-8"?>
+<p:sld xmlns:a="http://schemas.openxmlformats.org/drawingml/2006/main" xmlns:r="http://schemas.openxmlformats.org/officeDocument/2006/relationships" xmlns:p="http://schemas.openxmlformats.org/presentationml/2006/main">
+  <p:cSld>
+    <p:spTree>
+      <p:nvGrpSpPr>
+        <p:cNvPr id="1" name="Shape 249"/>
+        <p:cNvGrpSpPr/>
+        <p:nvPr/>
+      </p:nvGrpSpPr>
+      <p:grpSpPr>
+        <a:xfrm>
+          <a:off x="0" y="0"/>
+          <a:ext cx="0" cy="0"/>
+          <a:chOff x="0" y="0"/>
+          <a:chExt cx="0" cy="0"/>
+        </a:xfrm>
+      </p:grpSpPr>
+      <p:sp>
+        <p:nvSpPr>
+          <p:cNvPr id="250" name="Google Shape;250;p37"/>
+          <p:cNvSpPr txBox="1">
+            <a:spLocks noGrp="1"/>
+          </p:cNvSpPr>
+          <p:nvPr>
+            <p:ph type="ctrTitle"/>
+          </p:nvPr>
+        </p:nvSpPr>
+        <p:spPr>
+          <a:xfrm>
+            <a:off x="913795" y="609600"/>
+            <a:ext cx="10353900" cy="970500"/>
+          </a:xfrm>
+          <a:prstGeom prst="rect">
+            <a:avLst/>
+          </a:prstGeom>
+          <a:noFill/>
+          <a:ln>
+            <a:noFill/>
+          </a:ln>
+          <a:effectLst>
+            <a:outerShdw blurRad="25400">
+              <a:srgbClr val="000000">
+                <a:alpha val="45880"/>
+              </a:srgbClr>
+            </a:outerShdw>
+          </a:effectLst>
+        </p:spPr>
+        <p:txBody>
+          <a:bodyPr spcFirstLastPara="1" wrap="square" lIns="91425" tIns="45700" rIns="91425" bIns="45700" anchor="ctr" anchorCtr="0">
+            <a:noAutofit/>
+          </a:bodyPr>
+          <a:lstStyle/>
+          <a:p>
+            <a:pPr marL="0" lvl="0" indent="0" algn="l" rtl="0">
+              <a:spcBef>
+                <a:spcPts val="0"/>
+              </a:spcBef>
+              <a:spcAft>
+                <a:spcPts val="0"/>
+              </a:spcAft>
+              <a:buClr>
+                <a:schemeClr val="lt2"/>
+              </a:buClr>
+              <a:buSzPts val="4000"/>
+              <a:buFont typeface="Lustria"/>
+              <a:buNone/>
+            </a:pPr>
+            <a:r>
+              <a:rPr lang="en-US" sz="4800"/>
+              <a:t>Normal Forms</a:t>
+            </a:r>
+            <a:endParaRPr sz="4800"/>
+          </a:p>
+        </p:txBody>
+      </p:sp>
+      <p:sp>
+        <p:nvSpPr>
+          <p:cNvPr id="251" name="Google Shape;251;p37"/>
+          <p:cNvSpPr txBox="1"/>
+          <p:nvPr/>
+        </p:nvSpPr>
+        <p:spPr>
+          <a:xfrm>
+            <a:off x="304524" y="1513075"/>
+            <a:ext cx="4904375" cy="5590458"/>
+          </a:xfrm>
+          <a:prstGeom prst="rect">
+            <a:avLst/>
+          </a:prstGeom>
+          <a:noFill/>
+          <a:ln>
+            <a:noFill/>
+          </a:ln>
+        </p:spPr>
+        <p:txBody>
+          <a:bodyPr spcFirstLastPara="1" wrap="square" lIns="91425" tIns="91425" rIns="91425" bIns="91425" anchor="t" anchorCtr="0">
+            <a:noAutofit/>
+          </a:bodyPr>
+          <a:lstStyle/>
+          <a:p>
+            <a:pPr marL="0" lvl="0" indent="0" algn="l" rtl="0">
+              <a:spcBef>
+                <a:spcPts val="0"/>
+              </a:spcBef>
+              <a:spcAft>
+                <a:spcPts val="0"/>
+              </a:spcAft>
+              <a:buNone/>
+            </a:pPr>
+            <a:br>
+              <a:rPr lang="en-US" sz="2400" dirty="0"/>
+            </a:br>
+            <a:r>
+              <a:rPr lang="en-US" sz="2400" dirty="0"/>
+              <a:t>Normal forms are standard rules for structuring a database to reduce redundancy and increase data integrity.</a:t>
+            </a:r>
+            <a:br>
+              <a:rPr lang="en-US" sz="2400" dirty="0"/>
+            </a:br>
+            <a:br>
+              <a:rPr lang="en-US" sz="2400" dirty="0"/>
+            </a:br>
+            <a:r>
+              <a:rPr lang="en-US" sz="2400" dirty="0"/>
+              <a:t>In essence, the rules serve to minimize space costs and error costs.</a:t>
+            </a:r>
+            <a:br>
+              <a:rPr lang="en-US" sz="2400" dirty="0"/>
+            </a:br>
+            <a:br>
+              <a:rPr lang="en-US" sz="2400" dirty="0"/>
+            </a:br>
+            <a:r>
+              <a:rPr lang="en-US" sz="2400" dirty="0"/>
+              <a:t>Denormalization involves selectively increasing redundancy to improve speed performance and reduce query complexity.</a:t>
+            </a:r>
+            <a:br>
+              <a:rPr lang="en-US" sz="2400" b="1" dirty="0"/>
+            </a:br>
+            <a:endParaRPr sz="2400" dirty="0"/>
+          </a:p>
+          <a:p>
+            <a:pPr marL="0" lvl="0" indent="0" algn="l" rtl="0">
+              <a:spcBef>
+                <a:spcPts val="0"/>
+              </a:spcBef>
+              <a:spcAft>
+                <a:spcPts val="0"/>
+              </a:spcAft>
+              <a:buNone/>
+            </a:pPr>
+            <a:endParaRPr sz="1800" dirty="0"/>
+          </a:p>
+          <a:p>
+            <a:pPr marL="0" lvl="0" indent="0" algn="l" rtl="0">
+              <a:spcBef>
+                <a:spcPts val="0"/>
+              </a:spcBef>
+              <a:spcAft>
+                <a:spcPts val="0"/>
+              </a:spcAft>
+              <a:buNone/>
+            </a:pPr>
+            <a:endParaRPr sz="1800" dirty="0"/>
+          </a:p>
+          <a:p>
+            <a:pPr marL="0" lvl="0" indent="0" algn="l" rtl="0">
+              <a:spcBef>
+                <a:spcPts val="0"/>
+              </a:spcBef>
+              <a:spcAft>
+                <a:spcPts val="0"/>
+              </a:spcAft>
+              <a:buNone/>
+            </a:pPr>
+            <a:endParaRPr sz="1800" dirty="0"/>
+          </a:p>
+          <a:p>
+            <a:pPr marL="0" lvl="0" indent="0" algn="l" rtl="0">
+              <a:spcBef>
+                <a:spcPts val="0"/>
+              </a:spcBef>
+              <a:spcAft>
+                <a:spcPts val="0"/>
+              </a:spcAft>
+              <a:buNone/>
+            </a:pPr>
+            <a:r>
+              <a:rPr lang="en-US" sz="1800" dirty="0"/>
+              <a:t> </a:t>
+            </a:r>
+            <a:endParaRPr sz="1800" dirty="0"/>
+          </a:p>
+        </p:txBody>
+      </p:sp>
+      <p:sp>
+        <p:nvSpPr>
+          <p:cNvPr id="252" name="Google Shape;252;p37"/>
+          <p:cNvSpPr txBox="1"/>
+          <p:nvPr/>
+        </p:nvSpPr>
+        <p:spPr>
+          <a:xfrm>
+            <a:off x="5208900" y="2604000"/>
+            <a:ext cx="6983100" cy="3000000"/>
+          </a:xfrm>
+          <a:prstGeom prst="rect">
+            <a:avLst/>
+          </a:prstGeom>
+          <a:noFill/>
+          <a:ln>
+            <a:noFill/>
+          </a:ln>
+        </p:spPr>
+        <p:txBody>
+          <a:bodyPr spcFirstLastPara="1" wrap="square" lIns="91425" tIns="91425" rIns="91425" bIns="91425" anchor="t" anchorCtr="0">
+            <a:noAutofit/>
+          </a:bodyPr>
+          <a:lstStyle/>
+          <a:p>
+            <a:pPr marL="0" lvl="0" indent="0" algn="ctr" rtl="0">
+              <a:lnSpc>
+                <a:spcPct val="115000"/>
+              </a:lnSpc>
+              <a:spcBef>
+                <a:spcPts val="500"/>
+              </a:spcBef>
+              <a:spcAft>
+                <a:spcPts val="0"/>
+              </a:spcAft>
+              <a:buNone/>
+            </a:pPr>
+            <a:r>
+              <a:rPr lang="en-US" sz="2000" dirty="0"/>
+              <a:t>E</a:t>
+            </a:r>
+            <a:r>
+              <a:rPr lang="en-US" sz="2200" dirty="0"/>
+              <a:t>very non-prime key attribute must provide a fact about</a:t>
+            </a:r>
+            <a:r>
+              <a:rPr lang="en-US" sz="2200" dirty="0">
+                <a:solidFill>
+                  <a:srgbClr val="DADADA"/>
+                </a:solidFill>
+              </a:rPr>
+              <a:t> </a:t>
+            </a:r>
+            <a:r>
+              <a:rPr lang="en-US" sz="2200" dirty="0">
+                <a:solidFill>
+                  <a:srgbClr val="FF0000"/>
+                </a:solidFill>
+              </a:rPr>
+              <a:t>the key</a:t>
+            </a:r>
+            <a:r>
+              <a:rPr lang="en-US" sz="2200" dirty="0">
+                <a:solidFill>
+                  <a:srgbClr val="DADADA"/>
+                </a:solidFill>
+              </a:rPr>
+              <a:t>, </a:t>
+            </a:r>
+            <a:r>
+              <a:rPr lang="en-US" sz="2200" dirty="0">
+                <a:solidFill>
+                  <a:srgbClr val="00B050"/>
+                </a:solidFill>
+              </a:rPr>
+              <a:t>the whole key</a:t>
+            </a:r>
+            <a:r>
+              <a:rPr lang="en-US" sz="2200" dirty="0">
+                <a:solidFill>
+                  <a:srgbClr val="DADADA"/>
+                </a:solidFill>
+              </a:rPr>
+              <a:t>, </a:t>
+            </a:r>
+            <a:r>
+              <a:rPr lang="en-US" sz="2200" dirty="0"/>
+              <a:t>and</a:t>
+            </a:r>
+            <a:r>
+              <a:rPr lang="en-US" sz="2200" dirty="0">
+                <a:solidFill>
+                  <a:srgbClr val="DADADA"/>
+                </a:solidFill>
+              </a:rPr>
+              <a:t> </a:t>
+            </a:r>
+            <a:r>
+              <a:rPr lang="en-US" sz="2200" dirty="0">
+                <a:solidFill>
+                  <a:srgbClr val="00B0F0"/>
+                </a:solidFill>
+              </a:rPr>
+              <a:t>nothing but the key</a:t>
+            </a:r>
+            <a:r>
+              <a:rPr lang="en-US" sz="2200" dirty="0">
+                <a:solidFill>
+                  <a:srgbClr val="DADADA"/>
+                </a:solidFill>
+              </a:rPr>
+              <a:t>.</a:t>
+            </a:r>
+            <a:endParaRPr sz="2200" dirty="0">
+              <a:solidFill>
+                <a:srgbClr val="DADADA"/>
+              </a:solidFill>
+            </a:endParaRPr>
+          </a:p>
+          <a:p>
+            <a:pPr marL="0" lvl="0" indent="0" algn="ctr" rtl="0">
+              <a:lnSpc>
+                <a:spcPct val="115000"/>
+              </a:lnSpc>
+              <a:spcBef>
+                <a:spcPts val="600"/>
+              </a:spcBef>
+              <a:spcAft>
+                <a:spcPts val="0"/>
+              </a:spcAft>
+              <a:buNone/>
+            </a:pPr>
+            <a:r>
+              <a:rPr lang="en-US" sz="2200" dirty="0">
+                <a:solidFill>
+                  <a:srgbClr val="FF0000"/>
+                </a:solidFill>
+              </a:rPr>
+              <a:t>1NF: first normal form</a:t>
+            </a:r>
+            <a:endParaRPr sz="2200" dirty="0">
+              <a:solidFill>
+                <a:srgbClr val="FF0000"/>
+              </a:solidFill>
+            </a:endParaRPr>
+          </a:p>
+          <a:p>
+            <a:pPr marL="0" lvl="0" indent="0" algn="ctr" rtl="0">
+              <a:lnSpc>
+                <a:spcPct val="115000"/>
+              </a:lnSpc>
+              <a:spcBef>
+                <a:spcPts val="600"/>
+              </a:spcBef>
+              <a:spcAft>
+                <a:spcPts val="0"/>
+              </a:spcAft>
+              <a:buNone/>
+            </a:pPr>
+            <a:r>
+              <a:rPr lang="en-US" sz="2200" dirty="0">
+                <a:solidFill>
+                  <a:srgbClr val="00B050"/>
+                </a:solidFill>
+              </a:rPr>
+              <a:t>2NF: second normal form</a:t>
+            </a:r>
+            <a:endParaRPr sz="2200" dirty="0">
+              <a:solidFill>
+                <a:srgbClr val="00B050"/>
+              </a:solidFill>
+            </a:endParaRPr>
+          </a:p>
+          <a:p>
+            <a:pPr marL="0" lvl="0" indent="0" algn="ctr" rtl="0">
+              <a:lnSpc>
+                <a:spcPct val="115000"/>
+              </a:lnSpc>
+              <a:spcBef>
+                <a:spcPts val="600"/>
+              </a:spcBef>
+              <a:spcAft>
+                <a:spcPts val="600"/>
+              </a:spcAft>
+              <a:buNone/>
+            </a:pPr>
+            <a:r>
+              <a:rPr lang="en-US" sz="2200" dirty="0">
+                <a:solidFill>
+                  <a:srgbClr val="00B0F0"/>
+                </a:solidFill>
+              </a:rPr>
+              <a:t>3NF: third normal form</a:t>
+            </a:r>
+            <a:endParaRPr sz="2200" dirty="0">
+              <a:solidFill>
+                <a:srgbClr val="00B0F0"/>
+              </a:solidFill>
+            </a:endParaRPr>
+          </a:p>
+        </p:txBody>
+      </p:sp>
     </p:spTree>
   </p:cSld>
   <p:clrMapOvr>

--- a/Lectures/(6) Database Design - Structuring & Modeling Data.pptx
+++ b/Lectures/(6) Database Design - Structuring & Modeling Data.pptx
@@ -442,7 +442,7 @@
   <pc:docChgLst>
     <pc:chgData name="Jeremy Bergmann" userId="c2589a63-7d35-4bd4-b1d6-7fbcacc677e5" providerId="ADAL" clId="{593E54F3-1C9E-4B33-9287-C955B691FBF2}"/>
     <pc:docChg chg="undo custSel delSld modSld">
-      <pc:chgData name="Jeremy Bergmann" userId="c2589a63-7d35-4bd4-b1d6-7fbcacc677e5" providerId="ADAL" clId="{593E54F3-1C9E-4B33-9287-C955B691FBF2}" dt="2021-11-03T19:23:10.567" v="76" actId="20577"/>
+      <pc:chgData name="Jeremy Bergmann" userId="c2589a63-7d35-4bd4-b1d6-7fbcacc677e5" providerId="ADAL" clId="{593E54F3-1C9E-4B33-9287-C955B691FBF2}" dt="2021-11-04T00:40:42.056" v="89" actId="20577"/>
       <pc:docMkLst>
         <pc:docMk/>
       </pc:docMkLst>
@@ -538,6 +538,29 @@
           </ac:picMkLst>
         </pc:picChg>
       </pc:sldChg>
+      <pc:sldChg chg="modSp mod">
+        <pc:chgData name="Jeremy Bergmann" userId="c2589a63-7d35-4bd4-b1d6-7fbcacc677e5" providerId="ADAL" clId="{593E54F3-1C9E-4B33-9287-C955B691FBF2}" dt="2021-11-03T22:33:29.152" v="78" actId="14100"/>
+        <pc:sldMkLst>
+          <pc:docMk/>
+          <pc:sldMk cId="0" sldId="262"/>
+        </pc:sldMkLst>
+        <pc:spChg chg="mod">
+          <ac:chgData name="Jeremy Bergmann" userId="c2589a63-7d35-4bd4-b1d6-7fbcacc677e5" providerId="ADAL" clId="{593E54F3-1C9E-4B33-9287-C955B691FBF2}" dt="2021-11-03T22:33:29.152" v="78" actId="14100"/>
+          <ac:spMkLst>
+            <pc:docMk/>
+            <pc:sldMk cId="0" sldId="262"/>
+            <ac:spMk id="223" creationId="{00000000-0000-0000-0000-000000000000}"/>
+          </ac:spMkLst>
+        </pc:spChg>
+        <pc:spChg chg="mod">
+          <ac:chgData name="Jeremy Bergmann" userId="c2589a63-7d35-4bd4-b1d6-7fbcacc677e5" providerId="ADAL" clId="{593E54F3-1C9E-4B33-9287-C955B691FBF2}" dt="2021-11-03T22:33:24.906" v="77" actId="14100"/>
+          <ac:spMkLst>
+            <pc:docMk/>
+            <pc:sldMk cId="0" sldId="262"/>
+            <ac:spMk id="224" creationId="{00000000-0000-0000-0000-000000000000}"/>
+          </ac:spMkLst>
+        </pc:spChg>
+      </pc:sldChg>
       <pc:sldChg chg="addSp delSp modSp mod">
         <pc:chgData name="Jeremy Bergmann" userId="c2589a63-7d35-4bd4-b1d6-7fbcacc677e5" providerId="ADAL" clId="{593E54F3-1C9E-4B33-9287-C955B691FBF2}" dt="2021-11-03T17:52:52.444" v="57" actId="1076"/>
         <pc:sldMkLst>
@@ -593,13 +616,13 @@
         </pc:spChg>
       </pc:sldChg>
       <pc:sldChg chg="modSp mod">
-        <pc:chgData name="Jeremy Bergmann" userId="c2589a63-7d35-4bd4-b1d6-7fbcacc677e5" providerId="ADAL" clId="{593E54F3-1C9E-4B33-9287-C955B691FBF2}" dt="2021-11-03T19:23:10.567" v="76" actId="20577"/>
+        <pc:chgData name="Jeremy Bergmann" userId="c2589a63-7d35-4bd4-b1d6-7fbcacc677e5" providerId="ADAL" clId="{593E54F3-1C9E-4B33-9287-C955B691FBF2}" dt="2021-11-04T00:40:42.056" v="89" actId="20577"/>
         <pc:sldMkLst>
           <pc:docMk/>
           <pc:sldMk cId="0" sldId="270"/>
         </pc:sldMkLst>
         <pc:spChg chg="mod">
-          <ac:chgData name="Jeremy Bergmann" userId="c2589a63-7d35-4bd4-b1d6-7fbcacc677e5" providerId="ADAL" clId="{593E54F3-1C9E-4B33-9287-C955B691FBF2}" dt="2021-11-03T19:23:10.567" v="76" actId="20577"/>
+          <ac:chgData name="Jeremy Bergmann" userId="c2589a63-7d35-4bd4-b1d6-7fbcacc677e5" providerId="ADAL" clId="{593E54F3-1C9E-4B33-9287-C955B691FBF2}" dt="2021-11-04T00:40:42.056" v="89" actId="20577"/>
           <ac:spMkLst>
             <pc:docMk/>
             <pc:sldMk cId="0" sldId="270"/>
@@ -21850,7 +21873,7 @@
             </a:pPr>
             <a:r>
               <a:rPr lang="en-US" sz="1800" b="1" u="sng" dirty="0"/>
-              <a:t>ERD using Draw.IO</a:t>
+              <a:t>ERD using Diagram.net</a:t>
             </a:r>
             <a:endParaRPr sz="1800" b="1" u="sng" dirty="0"/>
           </a:p>
@@ -27958,7 +27981,7 @@
         <p:spPr>
           <a:xfrm>
             <a:off x="6080000" y="2355600"/>
-            <a:ext cx="5951400" cy="3000000"/>
+            <a:ext cx="5951400" cy="3892800"/>
           </a:xfrm>
           <a:prstGeom prst="rect">
             <a:avLst/>
@@ -27984,7 +28007,7 @@
               <a:buNone/>
             </a:pPr>
             <a:r>
-              <a:rPr lang="en-US" sz="1600" i="1">
+              <a:rPr lang="en-US" sz="1600" i="1" dirty="0">
                 <a:latin typeface="Calibri"/>
                 <a:ea typeface="Calibri"/>
                 <a:cs typeface="Calibri"/>
@@ -27993,7 +28016,7 @@
               <a:t>“A </a:t>
             </a:r>
             <a:r>
-              <a:rPr lang="en-US" sz="1600" b="1">
+              <a:rPr lang="en-US" sz="1600" b="1" dirty="0">
                 <a:latin typeface="Calibri"/>
                 <a:ea typeface="Calibri"/>
                 <a:cs typeface="Calibri"/>
@@ -28002,7 +28025,7 @@
               <a:t>Owner</a:t>
             </a:r>
             <a:r>
-              <a:rPr lang="en-US" sz="1600" i="1">
+              <a:rPr lang="en-US" sz="1600" i="1" dirty="0">
                 <a:latin typeface="Calibri"/>
                 <a:ea typeface="Calibri"/>
                 <a:cs typeface="Calibri"/>
@@ -28011,7 +28034,7 @@
               <a:t> can approve multiple </a:t>
             </a:r>
             <a:r>
-              <a:rPr lang="en-US" sz="1600" b="1">
+              <a:rPr lang="en-US" sz="1600" b="1" dirty="0">
                 <a:latin typeface="Calibri"/>
                 <a:ea typeface="Calibri"/>
                 <a:cs typeface="Calibri"/>
@@ -28020,7 +28043,7 @@
               <a:t>service</a:t>
             </a:r>
             <a:r>
-              <a:rPr lang="en-US" sz="1600" i="1">
+              <a:rPr lang="en-US" sz="1600" i="1" dirty="0">
                 <a:latin typeface="Calibri"/>
                 <a:ea typeface="Calibri"/>
                 <a:cs typeface="Calibri"/>
@@ -28029,7 +28052,7 @@
               <a:t> records or no </a:t>
             </a:r>
             <a:r>
-              <a:rPr lang="en-US" sz="1600" b="1">
+              <a:rPr lang="en-US" sz="1600" b="1" dirty="0">
                 <a:latin typeface="Calibri"/>
                 <a:ea typeface="Calibri"/>
                 <a:cs typeface="Calibri"/>
@@ -28038,7 +28061,7 @@
               <a:t>service </a:t>
             </a:r>
             <a:r>
-              <a:rPr lang="en-US" sz="1600" i="1">
+              <a:rPr lang="en-US" sz="1600" i="1" dirty="0">
                 <a:latin typeface="Calibri"/>
                 <a:ea typeface="Calibri"/>
                 <a:cs typeface="Calibri"/>
@@ -28046,7 +28069,7 @@
               </a:rPr>
               <a:t>records at all.”</a:t>
             </a:r>
-            <a:endParaRPr sz="1600" i="1">
+            <a:endParaRPr sz="1600" i="1" dirty="0">
               <a:latin typeface="Calibri"/>
               <a:ea typeface="Calibri"/>
               <a:cs typeface="Calibri"/>
@@ -28064,7 +28087,7 @@
               <a:buNone/>
             </a:pPr>
             <a:r>
-              <a:rPr lang="en-US" sz="1600" i="1">
+              <a:rPr lang="en-US" sz="1600" i="1" dirty="0">
                 <a:latin typeface="Calibri"/>
                 <a:ea typeface="Calibri"/>
                 <a:cs typeface="Calibri"/>
@@ -28073,7 +28096,7 @@
               <a:t>“A </a:t>
             </a:r>
             <a:r>
-              <a:rPr lang="en-US" sz="1600" b="1">
+              <a:rPr lang="en-US" sz="1600" b="1" dirty="0">
                 <a:latin typeface="Calibri"/>
                 <a:ea typeface="Calibri"/>
                 <a:cs typeface="Calibri"/>
@@ -28082,7 +28105,7 @@
               <a:t>service</a:t>
             </a:r>
             <a:r>
-              <a:rPr lang="en-US" sz="1600" i="1">
+              <a:rPr lang="en-US" sz="1600" i="1" dirty="0">
                 <a:latin typeface="Calibri"/>
                 <a:ea typeface="Calibri"/>
                 <a:cs typeface="Calibri"/>
@@ -28091,7 +28114,7 @@
               <a:t> can be approved by only one </a:t>
             </a:r>
             <a:r>
-              <a:rPr lang="en-US" sz="1600" b="1">
+              <a:rPr lang="en-US" sz="1600" b="1" dirty="0">
                 <a:latin typeface="Calibri"/>
                 <a:ea typeface="Calibri"/>
                 <a:cs typeface="Calibri"/>
@@ -28100,7 +28123,7 @@
               <a:t>Owner</a:t>
             </a:r>
             <a:r>
-              <a:rPr lang="en-US" sz="1600" i="1">
+              <a:rPr lang="en-US" sz="1600" i="1" dirty="0">
                 <a:latin typeface="Calibri"/>
                 <a:ea typeface="Calibri"/>
                 <a:cs typeface="Calibri"/>
@@ -28108,7 +28131,7 @@
               </a:rPr>
               <a:t>”</a:t>
             </a:r>
-            <a:endParaRPr sz="1600" i="1">
+            <a:endParaRPr sz="1600" i="1" dirty="0">
               <a:latin typeface="Calibri"/>
               <a:ea typeface="Calibri"/>
               <a:cs typeface="Calibri"/>
@@ -28126,7 +28149,7 @@
               <a:buNone/>
             </a:pPr>
             <a:r>
-              <a:rPr lang="en-US" sz="1600">
+              <a:rPr lang="en-US" sz="1600" dirty="0">
                 <a:latin typeface="Calibri"/>
                 <a:ea typeface="Calibri"/>
                 <a:cs typeface="Calibri"/>
@@ -28134,7 +28157,7 @@
               </a:rPr>
               <a:t> </a:t>
             </a:r>
-            <a:endParaRPr sz="1600">
+            <a:endParaRPr sz="1600" dirty="0">
               <a:latin typeface="Calibri"/>
               <a:ea typeface="Calibri"/>
               <a:cs typeface="Calibri"/>
@@ -28152,7 +28175,7 @@
               <a:buNone/>
             </a:pPr>
             <a:r>
-              <a:rPr lang="en-US" sz="1600" i="1">
+              <a:rPr lang="en-US" sz="1600" i="1" dirty="0">
                 <a:latin typeface="Calibri"/>
                 <a:ea typeface="Calibri"/>
                 <a:cs typeface="Calibri"/>
@@ -28161,7 +28184,7 @@
               <a:t>“A </a:t>
             </a:r>
             <a:r>
-              <a:rPr lang="en-US" sz="1600" b="1">
+              <a:rPr lang="en-US" sz="1600" b="1" dirty="0">
                 <a:latin typeface="Calibri"/>
                 <a:ea typeface="Calibri"/>
                 <a:cs typeface="Calibri"/>
@@ -28170,7 +28193,7 @@
               <a:t>vendor</a:t>
             </a:r>
             <a:r>
-              <a:rPr lang="en-US" sz="1600" i="1">
+              <a:rPr lang="en-US" sz="1600" i="1" dirty="0">
                 <a:latin typeface="Calibri"/>
                 <a:ea typeface="Calibri"/>
                 <a:cs typeface="Calibri"/>
@@ -28179,7 +28202,7 @@
               <a:t> must register for at least one (or many) </a:t>
             </a:r>
             <a:r>
-              <a:rPr lang="en-US" sz="1600" b="1">
+              <a:rPr lang="en-US" sz="1600" b="1" dirty="0">
                 <a:latin typeface="Calibri"/>
                 <a:ea typeface="Calibri"/>
                 <a:cs typeface="Calibri"/>
@@ -28188,7 +28211,7 @@
               <a:t>accounts</a:t>
             </a:r>
             <a:r>
-              <a:rPr lang="en-US" sz="1600" i="1">
+              <a:rPr lang="en-US" sz="1600" i="1" dirty="0">
                 <a:latin typeface="Calibri"/>
                 <a:ea typeface="Calibri"/>
                 <a:cs typeface="Calibri"/>
@@ -28196,7 +28219,7 @@
               </a:rPr>
               <a:t>”</a:t>
             </a:r>
-            <a:endParaRPr sz="1600" i="1">
+            <a:endParaRPr sz="1600" i="1" dirty="0">
               <a:latin typeface="Calibri"/>
               <a:ea typeface="Calibri"/>
               <a:cs typeface="Calibri"/>
@@ -28214,7 +28237,7 @@
               <a:buNone/>
             </a:pPr>
             <a:r>
-              <a:rPr lang="en-US" sz="1600" b="1">
+              <a:rPr lang="en-US" sz="1600" b="1" dirty="0">
                 <a:latin typeface="Calibri"/>
                 <a:ea typeface="Calibri"/>
                 <a:cs typeface="Calibri"/>
@@ -28223,7 +28246,7 @@
               <a:t> “</a:t>
             </a:r>
             <a:r>
-              <a:rPr lang="en-US" sz="1600" i="1">
+              <a:rPr lang="en-US" sz="1600" i="1" dirty="0">
                 <a:latin typeface="Calibri"/>
                 <a:ea typeface="Calibri"/>
                 <a:cs typeface="Calibri"/>
@@ -28232,7 +28255,7 @@
               <a:t>Multiple </a:t>
             </a:r>
             <a:r>
-              <a:rPr lang="en-US" sz="1600" b="1">
+              <a:rPr lang="en-US" sz="1600" b="1" dirty="0">
                 <a:latin typeface="Calibri"/>
                 <a:ea typeface="Calibri"/>
                 <a:cs typeface="Calibri"/>
@@ -28241,7 +28264,7 @@
               <a:t>accounts</a:t>
             </a:r>
             <a:r>
-              <a:rPr lang="en-US" sz="1600" i="1">
+              <a:rPr lang="en-US" sz="1600" i="1" dirty="0">
                 <a:latin typeface="Calibri"/>
                 <a:ea typeface="Calibri"/>
                 <a:cs typeface="Calibri"/>
@@ -28250,7 +28273,7 @@
               <a:t> must be registered by only one </a:t>
             </a:r>
             <a:r>
-              <a:rPr lang="en-US" sz="1600" b="1">
+              <a:rPr lang="en-US" sz="1600" b="1" dirty="0">
                 <a:latin typeface="Calibri"/>
                 <a:ea typeface="Calibri"/>
                 <a:cs typeface="Calibri"/>
@@ -28259,7 +28282,7 @@
               <a:t>vendor</a:t>
             </a:r>
             <a:r>
-              <a:rPr lang="en-US" sz="1600" i="1">
+              <a:rPr lang="en-US" sz="1600" i="1" dirty="0">
                 <a:latin typeface="Calibri"/>
                 <a:ea typeface="Calibri"/>
                 <a:cs typeface="Calibri"/>
@@ -28267,7 +28290,7 @@
               </a:rPr>
               <a:t> record”</a:t>
             </a:r>
-            <a:endParaRPr sz="1600" i="1">
+            <a:endParaRPr sz="1600" i="1" dirty="0">
               <a:latin typeface="Calibri"/>
               <a:ea typeface="Calibri"/>
               <a:cs typeface="Calibri"/>
@@ -28285,7 +28308,7 @@
               <a:buNone/>
             </a:pPr>
             <a:r>
-              <a:rPr lang="en-US" sz="1600">
+              <a:rPr lang="en-US" sz="1600" dirty="0">
                 <a:latin typeface="Calibri"/>
                 <a:ea typeface="Calibri"/>
                 <a:cs typeface="Calibri"/>
@@ -28293,7 +28316,7 @@
               </a:rPr>
               <a:t> </a:t>
             </a:r>
-            <a:endParaRPr sz="1600">
+            <a:endParaRPr sz="1600" dirty="0">
               <a:latin typeface="Calibri"/>
               <a:ea typeface="Calibri"/>
               <a:cs typeface="Calibri"/>
@@ -28311,7 +28334,7 @@
               <a:buNone/>
             </a:pPr>
             <a:r>
-              <a:rPr lang="en-US" sz="1600" i="1">
+              <a:rPr lang="en-US" sz="1600" i="1" dirty="0">
                 <a:latin typeface="Calibri"/>
                 <a:ea typeface="Calibri"/>
                 <a:cs typeface="Calibri"/>
@@ -28320,7 +28343,7 @@
               <a:t>“A </a:t>
             </a:r>
             <a:r>
-              <a:rPr lang="en-US" sz="1600" b="1">
+              <a:rPr lang="en-US" sz="1600" b="1" dirty="0">
                 <a:latin typeface="Calibri"/>
                 <a:ea typeface="Calibri"/>
                 <a:cs typeface="Calibri"/>
@@ -28329,7 +28352,7 @@
               <a:t>repair subject </a:t>
             </a:r>
             <a:r>
-              <a:rPr lang="en-US" sz="1600" i="1">
+              <a:rPr lang="en-US" sz="1600" i="1" dirty="0">
                 <a:latin typeface="Calibri"/>
                 <a:ea typeface="Calibri"/>
                 <a:cs typeface="Calibri"/>
@@ -28338,7 +28361,7 @@
               <a:t>can be contained in multiple </a:t>
             </a:r>
             <a:r>
-              <a:rPr lang="en-US" sz="1600" b="1">
+              <a:rPr lang="en-US" sz="1600" b="1" dirty="0">
                 <a:latin typeface="Calibri"/>
                 <a:ea typeface="Calibri"/>
                 <a:cs typeface="Calibri"/>
@@ -28347,7 +28370,7 @@
               <a:t>service </a:t>
             </a:r>
             <a:r>
-              <a:rPr lang="en-US" sz="1600" i="1">
+              <a:rPr lang="en-US" sz="1600" i="1" dirty="0">
                 <a:latin typeface="Calibri"/>
                 <a:ea typeface="Calibri"/>
                 <a:cs typeface="Calibri"/>
@@ -28356,7 +28379,7 @@
               <a:t>records, but must have at least one </a:t>
             </a:r>
             <a:r>
-              <a:rPr lang="en-US" sz="1600" b="1">
+              <a:rPr lang="en-US" sz="1600" b="1" dirty="0">
                 <a:latin typeface="Calibri"/>
                 <a:ea typeface="Calibri"/>
                 <a:cs typeface="Calibri"/>
@@ -28365,7 +28388,7 @@
               <a:t>service </a:t>
             </a:r>
             <a:r>
-              <a:rPr lang="en-US" sz="1600" i="1">
+              <a:rPr lang="en-US" sz="1600" i="1" dirty="0">
                 <a:latin typeface="Calibri"/>
                 <a:ea typeface="Calibri"/>
                 <a:cs typeface="Calibri"/>
@@ -28373,7 +28396,7 @@
               </a:rPr>
               <a:t>record.”</a:t>
             </a:r>
-            <a:endParaRPr sz="1600" i="1">
+            <a:endParaRPr sz="1600" i="1" dirty="0">
               <a:latin typeface="Calibri"/>
               <a:ea typeface="Calibri"/>
               <a:cs typeface="Calibri"/>
@@ -28391,7 +28414,7 @@
               <a:buNone/>
             </a:pPr>
             <a:r>
-              <a:rPr lang="en-US" sz="1600" i="1">
+              <a:rPr lang="en-US" sz="1600" i="1" dirty="0">
                 <a:latin typeface="Calibri"/>
                 <a:ea typeface="Calibri"/>
                 <a:cs typeface="Calibri"/>
@@ -28400,7 +28423,7 @@
               <a:t>“A </a:t>
             </a:r>
             <a:r>
-              <a:rPr lang="en-US" sz="1600" b="1">
+              <a:rPr lang="en-US" sz="1600" b="1" dirty="0">
                 <a:latin typeface="Calibri"/>
                 <a:ea typeface="Calibri"/>
                 <a:cs typeface="Calibri"/>
@@ -28409,7 +28432,7 @@
               <a:t>service </a:t>
             </a:r>
             <a:r>
-              <a:rPr lang="en-US" sz="1600" i="1">
+              <a:rPr lang="en-US" sz="1600" i="1" dirty="0">
                 <a:latin typeface="Calibri"/>
                 <a:ea typeface="Calibri"/>
                 <a:cs typeface="Calibri"/>
@@ -28418,7 +28441,7 @@
               <a:t>record must service only one</a:t>
             </a:r>
             <a:r>
-              <a:rPr lang="en-US" sz="1600" b="1" i="1">
+              <a:rPr lang="en-US" sz="1600" b="1" i="1" dirty="0">
                 <a:latin typeface="Calibri"/>
                 <a:ea typeface="Calibri"/>
                 <a:cs typeface="Calibri"/>
@@ -28427,7 +28450,7 @@
               <a:t> repair </a:t>
             </a:r>
             <a:r>
-              <a:rPr lang="en-US" sz="1600" b="1">
+              <a:rPr lang="en-US" sz="1600" b="1" dirty="0">
                 <a:latin typeface="Calibri"/>
                 <a:ea typeface="Calibri"/>
                 <a:cs typeface="Calibri"/>
@@ -28436,7 +28459,7 @@
               <a:t>subject</a:t>
             </a:r>
             <a:r>
-              <a:rPr lang="en-US" sz="1600" i="1">
+              <a:rPr lang="en-US" sz="1600" i="1" dirty="0">
                 <a:latin typeface="Calibri"/>
                 <a:ea typeface="Calibri"/>
                 <a:cs typeface="Calibri"/>
@@ -28444,7 +28467,7 @@
               </a:rPr>
               <a:t>.”</a:t>
             </a:r>
-            <a:endParaRPr sz="1600" i="1">
+            <a:endParaRPr sz="1600" i="1" dirty="0">
               <a:latin typeface="Calibri"/>
               <a:ea typeface="Calibri"/>
               <a:cs typeface="Calibri"/>
@@ -28462,7 +28485,7 @@
               <a:buNone/>
             </a:pPr>
             <a:r>
-              <a:rPr lang="en-US" sz="1600" i="1">
+              <a:rPr lang="en-US" sz="1600" i="1" dirty="0">
                 <a:latin typeface="Calibri"/>
                 <a:ea typeface="Calibri"/>
                 <a:cs typeface="Calibri"/>
@@ -28470,7 +28493,7 @@
               </a:rPr>
               <a:t> </a:t>
             </a:r>
-            <a:endParaRPr sz="1600" i="1">
+            <a:endParaRPr sz="1600" i="1" dirty="0">
               <a:latin typeface="Calibri"/>
               <a:ea typeface="Calibri"/>
               <a:cs typeface="Calibri"/>
@@ -28488,7 +28511,7 @@
               <a:buNone/>
             </a:pPr>
             <a:r>
-              <a:rPr lang="en-US" sz="1600" i="1">
+              <a:rPr lang="en-US" sz="1600" i="1" dirty="0">
                 <a:latin typeface="Calibri"/>
                 <a:ea typeface="Calibri"/>
                 <a:cs typeface="Calibri"/>
@@ -28497,7 +28520,7 @@
               <a:t>“</a:t>
             </a:r>
             <a:r>
-              <a:rPr lang="en-US" sz="1600" b="1">
+              <a:rPr lang="en-US" sz="1600" b="1" dirty="0">
                 <a:latin typeface="Calibri"/>
                 <a:ea typeface="Calibri"/>
                 <a:cs typeface="Calibri"/>
@@ -28506,7 +28529,7 @@
               <a:t>Vendors</a:t>
             </a:r>
             <a:r>
-              <a:rPr lang="en-US" sz="1600" i="1">
+              <a:rPr lang="en-US" sz="1600" i="1" dirty="0">
                 <a:latin typeface="Calibri"/>
                 <a:ea typeface="Calibri"/>
                 <a:cs typeface="Calibri"/>
@@ -28515,7 +28538,7 @@
               <a:t> can run multiple advertising/market </a:t>
             </a:r>
             <a:r>
-              <a:rPr lang="en-US" sz="1600" b="1">
+              <a:rPr lang="en-US" sz="1600" b="1" dirty="0">
                 <a:latin typeface="Calibri"/>
                 <a:ea typeface="Calibri"/>
                 <a:cs typeface="Calibri"/>
@@ -28524,7 +28547,7 @@
               <a:t>campaigns </a:t>
             </a:r>
             <a:r>
-              <a:rPr lang="en-US" sz="1600" i="1">
+              <a:rPr lang="en-US" sz="1600" i="1" dirty="0">
                 <a:latin typeface="Calibri"/>
                 <a:ea typeface="Calibri"/>
                 <a:cs typeface="Calibri"/>
@@ -28533,7 +28556,7 @@
               <a:t>or </a:t>
             </a:r>
             <a:r>
-              <a:rPr lang="en-US" sz="1600" b="1">
+              <a:rPr lang="en-US" sz="1600" b="1" dirty="0">
                 <a:latin typeface="Calibri"/>
                 <a:ea typeface="Calibri"/>
                 <a:cs typeface="Calibri"/>
@@ -28542,7 +28565,7 @@
               <a:t>no campaigns</a:t>
             </a:r>
             <a:r>
-              <a:rPr lang="en-US" sz="1600" i="1">
+              <a:rPr lang="en-US" sz="1600" i="1" dirty="0">
                 <a:latin typeface="Calibri"/>
                 <a:ea typeface="Calibri"/>
                 <a:cs typeface="Calibri"/>
@@ -28550,7 +28573,7 @@
               </a:rPr>
               <a:t> at all.”</a:t>
             </a:r>
-            <a:endParaRPr sz="1600"/>
+            <a:endParaRPr sz="1600" dirty="0"/>
           </a:p>
         </p:txBody>
       </p:sp>
@@ -28563,7 +28586,7 @@
         <p:spPr>
           <a:xfrm>
             <a:off x="259400" y="2280325"/>
-            <a:ext cx="5576700" cy="3000000"/>
+            <a:ext cx="5576700" cy="3819024"/>
           </a:xfrm>
           <a:prstGeom prst="rect">
             <a:avLst/>
@@ -28589,7 +28612,7 @@
               <a:buNone/>
             </a:pPr>
             <a:r>
-              <a:rPr lang="en-US" sz="1600" i="1">
+              <a:rPr lang="en-US" sz="1600" i="1" dirty="0">
                 <a:latin typeface="Calibri"/>
                 <a:ea typeface="Calibri"/>
                 <a:cs typeface="Calibri"/>
@@ -28598,7 +28621,7 @@
               <a:t>“Multiple </a:t>
             </a:r>
             <a:r>
-              <a:rPr lang="en-US" sz="1600" b="1">
+              <a:rPr lang="en-US" sz="1600" b="1" dirty="0">
                 <a:latin typeface="Calibri"/>
                 <a:ea typeface="Calibri"/>
                 <a:cs typeface="Calibri"/>
@@ -28607,7 +28630,7 @@
               <a:t>vendors</a:t>
             </a:r>
             <a:r>
-              <a:rPr lang="en-US" sz="1600" i="1">
+              <a:rPr lang="en-US" sz="1600" i="1" dirty="0">
                 <a:latin typeface="Calibri"/>
                 <a:ea typeface="Calibri"/>
                 <a:cs typeface="Calibri"/>
@@ -28616,7 +28639,7 @@
               <a:t> can have </a:t>
             </a:r>
             <a:r>
-              <a:rPr lang="en-US" sz="1600" b="1">
+              <a:rPr lang="en-US" sz="1600" b="1" dirty="0">
                 <a:latin typeface="Calibri"/>
                 <a:ea typeface="Calibri"/>
                 <a:cs typeface="Calibri"/>
@@ -28625,7 +28648,7 @@
               <a:t>relationships</a:t>
             </a:r>
             <a:r>
-              <a:rPr lang="en-US" sz="1600" i="1">
+              <a:rPr lang="en-US" sz="1600" i="1" dirty="0">
                 <a:latin typeface="Calibri"/>
                 <a:ea typeface="Calibri"/>
                 <a:cs typeface="Calibri"/>
@@ -28634,7 +28657,7 @@
               <a:t> with multiple </a:t>
             </a:r>
             <a:r>
-              <a:rPr lang="en-US" sz="1600" b="1">
+              <a:rPr lang="en-US" sz="1600" b="1" dirty="0">
                 <a:latin typeface="Calibri"/>
                 <a:ea typeface="Calibri"/>
                 <a:cs typeface="Calibri"/>
@@ -28643,7 +28666,7 @@
               <a:t>owners,</a:t>
             </a:r>
             <a:r>
-              <a:rPr lang="en-US" sz="1600" i="1">
+              <a:rPr lang="en-US" sz="1600" i="1" dirty="0">
                 <a:latin typeface="Calibri"/>
                 <a:ea typeface="Calibri"/>
                 <a:cs typeface="Calibri"/>
@@ -28652,7 +28675,7 @@
               <a:t> or no </a:t>
             </a:r>
             <a:r>
-              <a:rPr lang="en-US" sz="1600" b="1">
+              <a:rPr lang="en-US" sz="1600" b="1" dirty="0">
                 <a:latin typeface="Calibri"/>
                 <a:ea typeface="Calibri"/>
                 <a:cs typeface="Calibri"/>
@@ -28661,7 +28684,7 @@
               <a:t>owners </a:t>
             </a:r>
             <a:r>
-              <a:rPr lang="en-US" sz="1600" i="1">
+              <a:rPr lang="en-US" sz="1600" i="1" dirty="0">
                 <a:latin typeface="Calibri"/>
                 <a:ea typeface="Calibri"/>
                 <a:cs typeface="Calibri"/>
@@ -28670,7 +28693,7 @@
               <a:t>at all</a:t>
             </a:r>
             <a:r>
-              <a:rPr lang="en-US" sz="1600">
+              <a:rPr lang="en-US" sz="1600" dirty="0">
                 <a:latin typeface="Calibri"/>
                 <a:ea typeface="Calibri"/>
                 <a:cs typeface="Calibri"/>
@@ -28678,7 +28701,7 @@
               </a:rPr>
               <a:t>”</a:t>
             </a:r>
-            <a:endParaRPr sz="1600">
+            <a:endParaRPr sz="1600" dirty="0">
               <a:latin typeface="Calibri"/>
               <a:ea typeface="Calibri"/>
               <a:cs typeface="Calibri"/>
@@ -28696,7 +28719,7 @@
               <a:buNone/>
             </a:pPr>
             <a:r>
-              <a:rPr lang="en-US" sz="1600" i="1">
+              <a:rPr lang="en-US" sz="1600" i="1" dirty="0">
                 <a:latin typeface="Calibri"/>
                 <a:ea typeface="Calibri"/>
                 <a:cs typeface="Calibri"/>
@@ -28705,7 +28728,7 @@
               <a:t>“Multiple </a:t>
             </a:r>
             <a:r>
-              <a:rPr lang="en-US" sz="1600" b="1">
+              <a:rPr lang="en-US" sz="1600" b="1" dirty="0">
                 <a:latin typeface="Calibri"/>
                 <a:ea typeface="Calibri"/>
                 <a:cs typeface="Calibri"/>
@@ -28714,7 +28737,7 @@
               <a:t>owners</a:t>
             </a:r>
             <a:r>
-              <a:rPr lang="en-US" sz="1600" i="1">
+              <a:rPr lang="en-US" sz="1600" i="1" dirty="0">
                 <a:latin typeface="Calibri"/>
                 <a:ea typeface="Calibri"/>
                 <a:cs typeface="Calibri"/>
@@ -28723,7 +28746,7 @@
               <a:t> can have </a:t>
             </a:r>
             <a:r>
-              <a:rPr lang="en-US" sz="1600" b="1">
+              <a:rPr lang="en-US" sz="1600" b="1" dirty="0">
                 <a:latin typeface="Calibri"/>
                 <a:ea typeface="Calibri"/>
                 <a:cs typeface="Calibri"/>
@@ -28732,7 +28755,7 @@
               <a:t>relationships</a:t>
             </a:r>
             <a:r>
-              <a:rPr lang="en-US" sz="1600" i="1">
+              <a:rPr lang="en-US" sz="1600" i="1" dirty="0">
                 <a:latin typeface="Calibri"/>
                 <a:ea typeface="Calibri"/>
                 <a:cs typeface="Calibri"/>
@@ -28741,7 +28764,7 @@
               <a:t> with multiple </a:t>
             </a:r>
             <a:r>
-              <a:rPr lang="en-US" sz="1600" b="1">
+              <a:rPr lang="en-US" sz="1600" b="1" dirty="0">
                 <a:latin typeface="Calibri"/>
                 <a:ea typeface="Calibri"/>
                 <a:cs typeface="Calibri"/>
@@ -28750,7 +28773,7 @@
               <a:t>vendors, </a:t>
             </a:r>
             <a:r>
-              <a:rPr lang="en-US" sz="1600" i="1">
+              <a:rPr lang="en-US" sz="1600" i="1" dirty="0">
                 <a:latin typeface="Calibri"/>
                 <a:ea typeface="Calibri"/>
                 <a:cs typeface="Calibri"/>
@@ -28759,7 +28782,7 @@
               <a:t>or none at all</a:t>
             </a:r>
             <a:r>
-              <a:rPr lang="en-US" sz="1600">
+              <a:rPr lang="en-US" sz="1600" dirty="0">
                 <a:latin typeface="Calibri"/>
                 <a:ea typeface="Calibri"/>
                 <a:cs typeface="Calibri"/>
@@ -28767,7 +28790,7 @@
               </a:rPr>
               <a:t>”</a:t>
             </a:r>
-            <a:endParaRPr sz="1600">
+            <a:endParaRPr sz="1600" dirty="0">
               <a:latin typeface="Calibri"/>
               <a:ea typeface="Calibri"/>
               <a:cs typeface="Calibri"/>
@@ -28785,7 +28808,7 @@
               <a:buNone/>
             </a:pPr>
             <a:r>
-              <a:rPr lang="en-US" sz="1600" i="1">
+              <a:rPr lang="en-US" sz="1600" i="1" dirty="0">
                 <a:latin typeface="Calibri"/>
                 <a:ea typeface="Calibri"/>
                 <a:cs typeface="Calibri"/>
@@ -28793,7 +28816,7 @@
               </a:rPr>
               <a:t> </a:t>
             </a:r>
-            <a:endParaRPr sz="1600" i="1">
+            <a:endParaRPr sz="1600" i="1" dirty="0">
               <a:latin typeface="Calibri"/>
               <a:ea typeface="Calibri"/>
               <a:cs typeface="Calibri"/>
@@ -28811,7 +28834,7 @@
               <a:buNone/>
             </a:pPr>
             <a:r>
-              <a:rPr lang="en-US" sz="1600" i="1">
+              <a:rPr lang="en-US" sz="1600" i="1" dirty="0">
                 <a:latin typeface="Calibri"/>
                 <a:ea typeface="Calibri"/>
                 <a:cs typeface="Calibri"/>
@@ -28820,7 +28843,7 @@
               <a:t>“A </a:t>
             </a:r>
             <a:r>
-              <a:rPr lang="en-US" sz="1600" b="1">
+              <a:rPr lang="en-US" sz="1600" b="1" dirty="0">
                 <a:latin typeface="Calibri"/>
                 <a:ea typeface="Calibri"/>
                 <a:cs typeface="Calibri"/>
@@ -28829,7 +28852,7 @@
               <a:t>vendor</a:t>
             </a:r>
             <a:r>
-              <a:rPr lang="en-US" sz="1600" i="1">
+              <a:rPr lang="en-US" sz="1600" i="1" dirty="0">
                 <a:latin typeface="Calibri"/>
                 <a:ea typeface="Calibri"/>
                 <a:cs typeface="Calibri"/>
@@ -28838,7 +28861,7 @@
               <a:t> can generate multiple </a:t>
             </a:r>
             <a:r>
-              <a:rPr lang="en-US" sz="1600" b="1">
+              <a:rPr lang="en-US" sz="1600" b="1" dirty="0">
                 <a:latin typeface="Calibri"/>
                 <a:ea typeface="Calibri"/>
                 <a:cs typeface="Calibri"/>
@@ -28847,7 +28870,7 @@
               <a:t>service </a:t>
             </a:r>
             <a:r>
-              <a:rPr lang="en-US" sz="1600" i="1">
+              <a:rPr lang="en-US" sz="1600" i="1" dirty="0">
                 <a:latin typeface="Calibri"/>
                 <a:ea typeface="Calibri"/>
                 <a:cs typeface="Calibri"/>
@@ -28856,7 +28879,7 @@
               <a:t>records or no </a:t>
             </a:r>
             <a:r>
-              <a:rPr lang="en-US" sz="1600" b="1">
+              <a:rPr lang="en-US" sz="1600" b="1" dirty="0">
                 <a:latin typeface="Calibri"/>
                 <a:ea typeface="Calibri"/>
                 <a:cs typeface="Calibri"/>
@@ -28865,7 +28888,7 @@
               <a:t>service </a:t>
             </a:r>
             <a:r>
-              <a:rPr lang="en-US" sz="1600" i="1">
+              <a:rPr lang="en-US" sz="1600" i="1" dirty="0">
                 <a:latin typeface="Calibri"/>
                 <a:ea typeface="Calibri"/>
                 <a:cs typeface="Calibri"/>
@@ -28874,7 +28897,7 @@
               <a:t>records at all</a:t>
             </a:r>
             <a:r>
-              <a:rPr lang="en-US" sz="1600">
+              <a:rPr lang="en-US" sz="1600" dirty="0">
                 <a:latin typeface="Calibri"/>
                 <a:ea typeface="Calibri"/>
                 <a:cs typeface="Calibri"/>
@@ -28882,7 +28905,7 @@
               </a:rPr>
               <a:t>”</a:t>
             </a:r>
-            <a:endParaRPr sz="1600">
+            <a:endParaRPr sz="1600" dirty="0">
               <a:latin typeface="Calibri"/>
               <a:ea typeface="Calibri"/>
               <a:cs typeface="Calibri"/>
@@ -28900,7 +28923,7 @@
               <a:buNone/>
             </a:pPr>
             <a:r>
-              <a:rPr lang="en-US" sz="1600" i="1">
+              <a:rPr lang="en-US" sz="1600" i="1" dirty="0">
                 <a:latin typeface="Calibri"/>
                 <a:ea typeface="Calibri"/>
                 <a:cs typeface="Calibri"/>
@@ -28909,7 +28932,7 @@
               <a:t>“A </a:t>
             </a:r>
             <a:r>
-              <a:rPr lang="en-US" sz="1600" b="1">
+              <a:rPr lang="en-US" sz="1600" b="1" dirty="0">
                 <a:latin typeface="Calibri"/>
                 <a:ea typeface="Calibri"/>
                 <a:cs typeface="Calibri"/>
@@ -28918,7 +28941,7 @@
               <a:t>service </a:t>
             </a:r>
             <a:r>
-              <a:rPr lang="en-US" sz="1600" i="1">
+              <a:rPr lang="en-US" sz="1600" i="1" dirty="0">
                 <a:latin typeface="Calibri"/>
                 <a:ea typeface="Calibri"/>
                 <a:cs typeface="Calibri"/>
@@ -28927,7 +28950,7 @@
               <a:t>record must be attributed to only one </a:t>
             </a:r>
             <a:r>
-              <a:rPr lang="en-US" sz="1600" b="1">
+              <a:rPr lang="en-US" sz="1600" b="1" dirty="0">
                 <a:latin typeface="Calibri"/>
                 <a:ea typeface="Calibri"/>
                 <a:cs typeface="Calibri"/>
@@ -28936,7 +28959,7 @@
               <a:t>business</a:t>
             </a:r>
             <a:r>
-              <a:rPr lang="en-US" sz="1600">
+              <a:rPr lang="en-US" sz="1600" dirty="0">
                 <a:latin typeface="Calibri"/>
                 <a:ea typeface="Calibri"/>
                 <a:cs typeface="Calibri"/>
@@ -28944,7 +28967,7 @@
               </a:rPr>
               <a:t>”</a:t>
             </a:r>
-            <a:endParaRPr sz="1600">
+            <a:endParaRPr sz="1600" dirty="0">
               <a:latin typeface="Calibri"/>
               <a:ea typeface="Calibri"/>
               <a:cs typeface="Calibri"/>
@@ -28962,7 +28985,7 @@
               <a:buNone/>
             </a:pPr>
             <a:r>
-              <a:rPr lang="en-US" sz="1600">
+              <a:rPr lang="en-US" sz="1600" dirty="0">
                 <a:highlight>
                   <a:srgbClr val="FFFF00"/>
                 </a:highlight>
@@ -28973,7 +28996,7 @@
               </a:rPr>
               <a:t> </a:t>
             </a:r>
-            <a:endParaRPr sz="1600">
+            <a:endParaRPr sz="1600" dirty="0">
               <a:highlight>
                 <a:srgbClr val="FFFF00"/>
               </a:highlight>
@@ -28994,7 +29017,7 @@
               <a:buNone/>
             </a:pPr>
             <a:r>
-              <a:rPr lang="en-US" sz="1600" b="1">
+              <a:rPr lang="en-US" sz="1600" b="1" dirty="0">
                 <a:latin typeface="Calibri"/>
                 <a:ea typeface="Calibri"/>
                 <a:cs typeface="Calibri"/>
@@ -29003,7 +29026,7 @@
               <a:t> “</a:t>
             </a:r>
             <a:r>
-              <a:rPr lang="en-US" sz="1600" i="1">
+              <a:rPr lang="en-US" sz="1600" i="1" dirty="0">
                 <a:latin typeface="Calibri"/>
                 <a:ea typeface="Calibri"/>
                 <a:cs typeface="Calibri"/>
@@ -29012,7 +29035,7 @@
               <a:t>A </a:t>
             </a:r>
             <a:r>
-              <a:rPr lang="en-US" sz="1600" b="1">
+              <a:rPr lang="en-US" sz="1600" b="1" dirty="0">
                 <a:latin typeface="Calibri"/>
                 <a:ea typeface="Calibri"/>
                 <a:cs typeface="Calibri"/>
@@ -29021,7 +29044,7 @@
               <a:t>service record</a:t>
             </a:r>
             <a:r>
-              <a:rPr lang="en-US" sz="1600" i="1">
+              <a:rPr lang="en-US" sz="1600" i="1" dirty="0">
                 <a:latin typeface="Calibri"/>
                 <a:ea typeface="Calibri"/>
                 <a:cs typeface="Calibri"/>
@@ -29030,7 +29053,7 @@
               <a:t> may contain many</a:t>
             </a:r>
             <a:r>
-              <a:rPr lang="en-US" sz="1600" b="1">
+              <a:rPr lang="en-US" sz="1600" b="1" dirty="0">
                 <a:latin typeface="Calibri"/>
                 <a:ea typeface="Calibri"/>
                 <a:cs typeface="Calibri"/>
@@ -29039,7 +29062,7 @@
               <a:t> invoices</a:t>
             </a:r>
             <a:r>
-              <a:rPr lang="en-US" sz="1600">
+              <a:rPr lang="en-US" sz="1600" dirty="0">
                 <a:latin typeface="Calibri"/>
                 <a:ea typeface="Calibri"/>
                 <a:cs typeface="Calibri"/>
@@ -29048,7 +29071,7 @@
               <a:t>, </a:t>
             </a:r>
             <a:r>
-              <a:rPr lang="en-US" sz="1600" i="1">
+              <a:rPr lang="en-US" sz="1600" i="1" dirty="0">
                 <a:latin typeface="Calibri"/>
                 <a:ea typeface="Calibri"/>
                 <a:cs typeface="Calibri"/>
@@ -29056,7 +29079,7 @@
               </a:rPr>
               <a:t>or none at all”</a:t>
             </a:r>
-            <a:endParaRPr sz="1600" i="1">
+            <a:endParaRPr sz="1600" i="1" dirty="0">
               <a:latin typeface="Calibri"/>
               <a:ea typeface="Calibri"/>
               <a:cs typeface="Calibri"/>
@@ -29074,7 +29097,7 @@
               <a:buNone/>
             </a:pPr>
             <a:r>
-              <a:rPr lang="en-US" sz="1600" b="1">
+              <a:rPr lang="en-US" sz="1600" b="1" dirty="0">
                 <a:latin typeface="Calibri"/>
                 <a:ea typeface="Calibri"/>
                 <a:cs typeface="Calibri"/>
@@ -29083,7 +29106,7 @@
               <a:t>“</a:t>
             </a:r>
             <a:r>
-              <a:rPr lang="en-US" sz="1600" i="1">
+              <a:rPr lang="en-US" sz="1600" i="1" dirty="0">
                 <a:latin typeface="Calibri"/>
                 <a:ea typeface="Calibri"/>
                 <a:cs typeface="Calibri"/>
@@ -29092,7 +29115,7 @@
               <a:t>multiple </a:t>
             </a:r>
             <a:r>
-              <a:rPr lang="en-US" sz="1600" b="1">
+              <a:rPr lang="en-US" sz="1600" b="1" dirty="0">
                 <a:latin typeface="Calibri"/>
                 <a:ea typeface="Calibri"/>
                 <a:cs typeface="Calibri"/>
@@ -29101,7 +29124,7 @@
               <a:t>invoices</a:t>
             </a:r>
             <a:r>
-              <a:rPr lang="en-US" sz="1600" i="1">
+              <a:rPr lang="en-US" sz="1600" i="1" dirty="0">
                 <a:latin typeface="Calibri"/>
                 <a:ea typeface="Calibri"/>
                 <a:cs typeface="Calibri"/>
@@ -29110,7 +29133,7 @@
               <a:t> must belong to only one</a:t>
             </a:r>
             <a:r>
-              <a:rPr lang="en-US" sz="1600" b="1">
+              <a:rPr lang="en-US" sz="1600" b="1" dirty="0">
                 <a:latin typeface="Calibri"/>
                 <a:ea typeface="Calibri"/>
                 <a:cs typeface="Calibri"/>
@@ -29119,7 +29142,7 @@
               <a:t> service </a:t>
             </a:r>
             <a:r>
-              <a:rPr lang="en-US" sz="1600">
+              <a:rPr lang="en-US" sz="1600" dirty="0">
                 <a:latin typeface="Calibri"/>
                 <a:ea typeface="Calibri"/>
                 <a:cs typeface="Calibri"/>
@@ -29128,7 +29151,7 @@
               <a:t>record</a:t>
             </a:r>
             <a:r>
-              <a:rPr lang="en-US" sz="1600" i="1">
+              <a:rPr lang="en-US" sz="1600" i="1" dirty="0">
                 <a:latin typeface="Calibri"/>
                 <a:ea typeface="Calibri"/>
                 <a:cs typeface="Calibri"/>
@@ -29136,7 +29159,7 @@
               </a:rPr>
               <a:t>”</a:t>
             </a:r>
-            <a:endParaRPr sz="1600" i="1">
+            <a:endParaRPr sz="1600" i="1" dirty="0">
               <a:latin typeface="Calibri"/>
               <a:ea typeface="Calibri"/>
               <a:cs typeface="Calibri"/>
@@ -29154,7 +29177,7 @@
               <a:buNone/>
             </a:pPr>
             <a:r>
-              <a:rPr lang="en-US" sz="1600" i="1">
+              <a:rPr lang="en-US" sz="1600" i="1" dirty="0">
                 <a:latin typeface="Calibri"/>
                 <a:ea typeface="Calibri"/>
                 <a:cs typeface="Calibri"/>
@@ -29162,7 +29185,7 @@
               </a:rPr>
               <a:t> </a:t>
             </a:r>
-            <a:endParaRPr sz="1600" i="1">
+            <a:endParaRPr sz="1600" i="1" dirty="0">
               <a:latin typeface="Calibri"/>
               <a:ea typeface="Calibri"/>
               <a:cs typeface="Calibri"/>
@@ -29180,7 +29203,7 @@
               <a:buNone/>
             </a:pPr>
             <a:r>
-              <a:rPr lang="en-US" sz="1600" b="1">
+              <a:rPr lang="en-US" sz="1600" b="1" dirty="0">
                 <a:latin typeface="Calibri"/>
                 <a:ea typeface="Calibri"/>
                 <a:cs typeface="Calibri"/>
@@ -29189,7 +29212,7 @@
               <a:t>“</a:t>
             </a:r>
             <a:r>
-              <a:rPr lang="en-US" sz="1600" i="1">
+              <a:rPr lang="en-US" sz="1600" i="1" dirty="0">
                 <a:latin typeface="Calibri"/>
                 <a:ea typeface="Calibri"/>
                 <a:cs typeface="Calibri"/>
@@ -29198,7 +29221,7 @@
               <a:t>An </a:t>
             </a:r>
             <a:r>
-              <a:rPr lang="en-US" sz="1600" b="1">
+              <a:rPr lang="en-US" sz="1600" b="1" dirty="0">
                 <a:latin typeface="Calibri"/>
                 <a:ea typeface="Calibri"/>
                 <a:cs typeface="Calibri"/>
@@ -29207,7 +29230,7 @@
               <a:t>invoice </a:t>
             </a:r>
             <a:r>
-              <a:rPr lang="en-US" sz="1600" i="1">
+              <a:rPr lang="en-US" sz="1600" i="1" dirty="0">
                 <a:latin typeface="Calibri"/>
                 <a:ea typeface="Calibri"/>
                 <a:cs typeface="Calibri"/>
@@ -29216,7 +29239,7 @@
               <a:t>may contain many repair</a:t>
             </a:r>
             <a:r>
-              <a:rPr lang="en-US" sz="1600" b="1">
+              <a:rPr lang="en-US" sz="1600" b="1" dirty="0">
                 <a:latin typeface="Calibri"/>
                 <a:ea typeface="Calibri"/>
                 <a:cs typeface="Calibri"/>
@@ -29225,7 +29248,7 @@
               <a:t> images</a:t>
             </a:r>
             <a:r>
-              <a:rPr lang="en-US" sz="1600" i="1">
+              <a:rPr lang="en-US" sz="1600" i="1" dirty="0">
                 <a:latin typeface="Calibri"/>
                 <a:ea typeface="Calibri"/>
                 <a:cs typeface="Calibri"/>
@@ -29234,7 +29257,7 @@
               <a:t>, or no repair</a:t>
             </a:r>
             <a:r>
-              <a:rPr lang="en-US" sz="1600" b="1">
+              <a:rPr lang="en-US" sz="1600" b="1" dirty="0">
                 <a:latin typeface="Calibri"/>
                 <a:ea typeface="Calibri"/>
                 <a:cs typeface="Calibri"/>
@@ -29243,7 +29266,7 @@
               <a:t> images </a:t>
             </a:r>
             <a:r>
-              <a:rPr lang="en-US" sz="1600" i="1">
+              <a:rPr lang="en-US" sz="1600" i="1" dirty="0">
                 <a:latin typeface="Calibri"/>
                 <a:ea typeface="Calibri"/>
                 <a:cs typeface="Calibri"/>
@@ -29251,7 +29274,7 @@
               </a:rPr>
               <a:t>at all”</a:t>
             </a:r>
-            <a:endParaRPr sz="1600" i="1">
+            <a:endParaRPr sz="1600" i="1" dirty="0">
               <a:latin typeface="Calibri"/>
               <a:ea typeface="Calibri"/>
               <a:cs typeface="Calibri"/>
@@ -29269,7 +29292,7 @@
               <a:buNone/>
             </a:pPr>
             <a:r>
-              <a:rPr lang="en-US" sz="1600" b="1">
+              <a:rPr lang="en-US" sz="1600" b="1" dirty="0">
                 <a:latin typeface="Calibri"/>
                 <a:ea typeface="Calibri"/>
                 <a:cs typeface="Calibri"/>
@@ -29278,7 +29301,7 @@
               <a:t>“</a:t>
             </a:r>
             <a:r>
-              <a:rPr lang="en-US" sz="1600" i="1">
+              <a:rPr lang="en-US" sz="1600" i="1" dirty="0">
                 <a:latin typeface="Calibri"/>
                 <a:ea typeface="Calibri"/>
                 <a:cs typeface="Calibri"/>
@@ -29287,7 +29310,7 @@
               <a:t>Multiple repair</a:t>
             </a:r>
             <a:r>
-              <a:rPr lang="en-US" sz="1600" b="1">
+              <a:rPr lang="en-US" sz="1600" b="1" dirty="0">
                 <a:latin typeface="Calibri"/>
                 <a:ea typeface="Calibri"/>
                 <a:cs typeface="Calibri"/>
@@ -29296,7 +29319,7 @@
               <a:t> images</a:t>
             </a:r>
             <a:r>
-              <a:rPr lang="en-US" sz="1600" i="1">
+              <a:rPr lang="en-US" sz="1600" i="1" dirty="0">
                 <a:latin typeface="Calibri"/>
                 <a:ea typeface="Calibri"/>
                 <a:cs typeface="Calibri"/>
@@ -29305,7 +29328,7 @@
               <a:t> must belong to only one </a:t>
             </a:r>
             <a:r>
-              <a:rPr lang="en-US" sz="1600" b="1">
+              <a:rPr lang="en-US" sz="1600" b="1" dirty="0">
                 <a:latin typeface="Calibri"/>
                 <a:ea typeface="Calibri"/>
                 <a:cs typeface="Calibri"/>
@@ -29314,7 +29337,7 @@
               <a:t>invoice</a:t>
             </a:r>
             <a:r>
-              <a:rPr lang="en-US" sz="1600" i="1">
+              <a:rPr lang="en-US" sz="1600" i="1" dirty="0">
                 <a:latin typeface="Calibri"/>
                 <a:ea typeface="Calibri"/>
                 <a:cs typeface="Calibri"/>
@@ -29322,7 +29345,7 @@
               </a:rPr>
               <a:t> record”</a:t>
             </a:r>
-            <a:endParaRPr sz="1600"/>
+            <a:endParaRPr sz="1600" dirty="0"/>
           </a:p>
         </p:txBody>
       </p:sp>
